--- a/Laboratoire/LaboB204.pptx
+++ b/Laboratoire/LaboB204.pptx
@@ -6,8 +6,9 @@
   </p:sldMasterIdLst>
   <p:sldIdLst>
     <p:sldId id="256" r:id="rId2"/>
+    <p:sldId id="257" r:id="rId3"/>
   </p:sldIdLst>
-  <p:sldSz cx="9144000" cy="6858000" type="screen4x3"/>
+  <p:sldSz cx="9144000" cy="5715000" type="screen16x10"/>
   <p:notesSz cx="6858000" cy="9144000"/>
   <p:defaultTextStyle>
     <a:defPPr>
@@ -136,8 +137,8 @@
         </p:nvSpPr>
         <p:spPr>
           <a:xfrm>
-            <a:off x="685800" y="2130425"/>
-            <a:ext cx="7772400" cy="1470025"/>
+            <a:off x="685800" y="1775355"/>
+            <a:ext cx="7772400" cy="1225021"/>
           </a:xfrm>
         </p:spPr>
         <p:txBody>
@@ -164,8 +165,8 @@
         </p:nvSpPr>
         <p:spPr>
           <a:xfrm>
-            <a:off x="1371600" y="3886200"/>
-            <a:ext cx="6400800" cy="1752600"/>
+            <a:off x="1371600" y="3238500"/>
+            <a:ext cx="6400800" cy="1460500"/>
           </a:xfrm>
         </p:spPr>
         <p:txBody>
@@ -288,7 +289,7 @@
           <a:p>
             <a:fld id="{AA309A6D-C09C-4548-B29A-6CF363A7E532}" type="datetimeFigureOut">
               <a:rPr lang="fr-FR" smtClean="0"/>
-              <a:t>15/06/2016</a:t>
+              <a:t>26/06/2016</a:t>
             </a:fld>
             <a:endParaRPr lang="fr-BE"/>
           </a:p>
@@ -453,7 +454,7 @@
           <a:p>
             <a:fld id="{AA309A6D-C09C-4548-B29A-6CF363A7E532}" type="datetimeFigureOut">
               <a:rPr lang="fr-FR" smtClean="0"/>
-              <a:t>15/06/2016</a:t>
+              <a:t>26/06/2016</a:t>
             </a:fld>
             <a:endParaRPr lang="fr-BE"/>
           </a:p>
@@ -538,8 +539,8 @@
         </p:nvSpPr>
         <p:spPr>
           <a:xfrm>
-            <a:off x="6629400" y="274638"/>
-            <a:ext cx="2057400" cy="5851525"/>
+            <a:off x="6629400" y="228865"/>
+            <a:ext cx="2057400" cy="4876271"/>
           </a:xfrm>
         </p:spPr>
         <p:txBody>
@@ -566,8 +567,8 @@
         </p:nvSpPr>
         <p:spPr>
           <a:xfrm>
-            <a:off x="457200" y="274638"/>
-            <a:ext cx="6019800" cy="5851525"/>
+            <a:off x="457200" y="228865"/>
+            <a:ext cx="6019800" cy="4876271"/>
           </a:xfrm>
         </p:spPr>
         <p:txBody>
@@ -628,7 +629,7 @@
           <a:p>
             <a:fld id="{AA309A6D-C09C-4548-B29A-6CF363A7E532}" type="datetimeFigureOut">
               <a:rPr lang="fr-FR" smtClean="0"/>
-              <a:t>15/06/2016</a:t>
+              <a:t>26/06/2016</a:t>
             </a:fld>
             <a:endParaRPr lang="fr-BE"/>
           </a:p>
@@ -793,7 +794,7 @@
           <a:p>
             <a:fld id="{AA309A6D-C09C-4548-B29A-6CF363A7E532}" type="datetimeFigureOut">
               <a:rPr lang="fr-FR" smtClean="0"/>
-              <a:t>15/06/2016</a:t>
+              <a:t>26/06/2016</a:t>
             </a:fld>
             <a:endParaRPr lang="fr-BE"/>
           </a:p>
@@ -878,8 +879,8 @@
         </p:nvSpPr>
         <p:spPr>
           <a:xfrm>
-            <a:off x="722313" y="4406900"/>
-            <a:ext cx="7772400" cy="1362075"/>
+            <a:off x="722313" y="3672417"/>
+            <a:ext cx="7772400" cy="1135063"/>
           </a:xfrm>
         </p:spPr>
         <p:txBody>
@@ -910,8 +911,8 @@
         </p:nvSpPr>
         <p:spPr>
           <a:xfrm>
-            <a:off x="722313" y="2906713"/>
-            <a:ext cx="7772400" cy="1500187"/>
+            <a:off x="722313" y="2422261"/>
+            <a:ext cx="7772400" cy="1250156"/>
           </a:xfrm>
         </p:spPr>
         <p:txBody>
@@ -1034,7 +1035,7 @@
           <a:p>
             <a:fld id="{AA309A6D-C09C-4548-B29A-6CF363A7E532}" type="datetimeFigureOut">
               <a:rPr lang="fr-FR" smtClean="0"/>
-              <a:t>15/06/2016</a:t>
+              <a:t>26/06/2016</a:t>
             </a:fld>
             <a:endParaRPr lang="fr-BE"/>
           </a:p>
@@ -1142,8 +1143,8 @@
         </p:nvSpPr>
         <p:spPr>
           <a:xfrm>
-            <a:off x="457200" y="1600200"/>
-            <a:ext cx="4038600" cy="4525963"/>
+            <a:off x="457200" y="1333500"/>
+            <a:ext cx="4038600" cy="3771636"/>
           </a:xfrm>
         </p:spPr>
         <p:txBody>
@@ -1227,8 +1228,8 @@
         </p:nvSpPr>
         <p:spPr>
           <a:xfrm>
-            <a:off x="4648200" y="1600200"/>
-            <a:ext cx="4038600" cy="4525963"/>
+            <a:off x="4648200" y="1333500"/>
+            <a:ext cx="4038600" cy="3771636"/>
           </a:xfrm>
         </p:spPr>
         <p:txBody>
@@ -1317,7 +1318,7 @@
           <a:p>
             <a:fld id="{AA309A6D-C09C-4548-B29A-6CF363A7E532}" type="datetimeFigureOut">
               <a:rPr lang="fr-FR" smtClean="0"/>
-              <a:t>15/06/2016</a:t>
+              <a:t>26/06/2016</a:t>
             </a:fld>
             <a:endParaRPr lang="fr-BE"/>
           </a:p>
@@ -1429,8 +1430,8 @@
         </p:nvSpPr>
         <p:spPr>
           <a:xfrm>
-            <a:off x="457200" y="1535113"/>
-            <a:ext cx="4040188" cy="639762"/>
+            <a:off x="457200" y="1279261"/>
+            <a:ext cx="4040188" cy="533135"/>
           </a:xfrm>
         </p:spPr>
         <p:txBody>
@@ -1494,8 +1495,8 @@
         </p:nvSpPr>
         <p:spPr>
           <a:xfrm>
-            <a:off x="457200" y="2174875"/>
-            <a:ext cx="4040188" cy="3951288"/>
+            <a:off x="457200" y="1812396"/>
+            <a:ext cx="4040188" cy="3292740"/>
           </a:xfrm>
         </p:spPr>
         <p:txBody>
@@ -1579,8 +1580,8 @@
         </p:nvSpPr>
         <p:spPr>
           <a:xfrm>
-            <a:off x="4645025" y="1535113"/>
-            <a:ext cx="4041775" cy="639762"/>
+            <a:off x="4645026" y="1279261"/>
+            <a:ext cx="4041775" cy="533135"/>
           </a:xfrm>
         </p:spPr>
         <p:txBody>
@@ -1644,8 +1645,8 @@
         </p:nvSpPr>
         <p:spPr>
           <a:xfrm>
-            <a:off x="4645025" y="2174875"/>
-            <a:ext cx="4041775" cy="3951288"/>
+            <a:off x="4645026" y="1812396"/>
+            <a:ext cx="4041775" cy="3292740"/>
           </a:xfrm>
         </p:spPr>
         <p:txBody>
@@ -1734,7 +1735,7 @@
           <a:p>
             <a:fld id="{AA309A6D-C09C-4548-B29A-6CF363A7E532}" type="datetimeFigureOut">
               <a:rPr lang="fr-FR" smtClean="0"/>
-              <a:t>15/06/2016</a:t>
+              <a:t>26/06/2016</a:t>
             </a:fld>
             <a:endParaRPr lang="fr-BE"/>
           </a:p>
@@ -1847,7 +1848,7 @@
           <a:p>
             <a:fld id="{AA309A6D-C09C-4548-B29A-6CF363A7E532}" type="datetimeFigureOut">
               <a:rPr lang="fr-FR" smtClean="0"/>
-              <a:t>15/06/2016</a:t>
+              <a:t>26/06/2016</a:t>
             </a:fld>
             <a:endParaRPr lang="fr-BE"/>
           </a:p>
@@ -1895,6 +1896,70 @@
           </a:p>
         </p:txBody>
       </p:sp>
+      <p:pic>
+        <p:nvPicPr>
+          <p:cNvPr id="1026" name="Picture 2"/>
+          <p:cNvPicPr>
+            <a:picLocks noChangeAspect="1" noChangeArrowheads="1"/>
+          </p:cNvPicPr>
+          <p:nvPr userDrawn="1"/>
+        </p:nvPicPr>
+        <p:blipFill>
+          <a:blip r:embed="rId2" cstate="print">
+            <a:extLst>
+              <a:ext uri="{28A0092B-C50C-407E-A947-70E740481C1C}">
+                <a14:useLocalDpi xmlns:a14="http://schemas.microsoft.com/office/drawing/2010/main" val="0"/>
+              </a:ext>
+            </a:extLst>
+          </a:blip>
+          <a:srcRect/>
+          <a:stretch>
+            <a:fillRect/>
+          </a:stretch>
+        </p:blipFill>
+        <p:spPr bwMode="auto">
+          <a:xfrm>
+            <a:off x="83984" y="1757918"/>
+            <a:ext cx="9060016" cy="2694782"/>
+          </a:xfrm>
+          <a:prstGeom prst="rect">
+            <a:avLst/>
+          </a:prstGeom>
+          <a:noFill/>
+          <a:ln>
+            <a:noFill/>
+          </a:ln>
+          <a:effectLst/>
+          <a:extLst>
+            <a:ext uri="{909E8E84-426E-40DD-AFC4-6F175D3DCCD1}">
+              <a14:hiddenFill xmlns:a14="http://schemas.microsoft.com/office/drawing/2010/main">
+                <a:solidFill>
+                  <a:schemeClr val="accent1"/>
+                </a:solidFill>
+              </a14:hiddenFill>
+            </a:ext>
+            <a:ext uri="{91240B29-F687-4F45-9708-019B960494DF}">
+              <a14:hiddenLine xmlns:a14="http://schemas.microsoft.com/office/drawing/2010/main" w="9525">
+                <a:solidFill>
+                  <a:schemeClr val="tx1"/>
+                </a:solidFill>
+                <a:miter lim="800000"/>
+                <a:headEnd/>
+                <a:tailEnd/>
+              </a14:hiddenLine>
+            </a:ext>
+            <a:ext uri="{AF507438-7753-43E0-B8FC-AC1667EBCBE1}">
+              <a14:hiddenEffects xmlns:a14="http://schemas.microsoft.com/office/drawing/2010/main">
+                <a:effectLst>
+                  <a:outerShdw dist="35921" dir="2700000" algn="ctr" rotWithShape="0">
+                    <a:schemeClr val="bg2"/>
+                  </a:outerShdw>
+                </a:effectLst>
+              </a14:hiddenEffects>
+            </a:ext>
+          </a:extLst>
+        </p:spPr>
+      </p:pic>
     </p:spTree>
   </p:cSld>
   <p:clrMapOvr>
@@ -1937,7 +2002,7 @@
           <a:p>
             <a:fld id="{AA309A6D-C09C-4548-B29A-6CF363A7E532}" type="datetimeFigureOut">
               <a:rPr lang="fr-FR" smtClean="0"/>
-              <a:t>15/06/2016</a:t>
+              <a:t>26/06/2016</a:t>
             </a:fld>
             <a:endParaRPr lang="fr-BE"/>
           </a:p>
@@ -2022,8 +2087,8 @@
         </p:nvSpPr>
         <p:spPr>
           <a:xfrm>
-            <a:off x="457200" y="273050"/>
-            <a:ext cx="3008313" cy="1162050"/>
+            <a:off x="457201" y="227542"/>
+            <a:ext cx="3008313" cy="968375"/>
           </a:xfrm>
         </p:spPr>
         <p:txBody>
@@ -2054,8 +2119,8 @@
         </p:nvSpPr>
         <p:spPr>
           <a:xfrm>
-            <a:off x="3575050" y="273050"/>
-            <a:ext cx="5111750" cy="5853113"/>
+            <a:off x="3575050" y="227542"/>
+            <a:ext cx="5111750" cy="4877594"/>
           </a:xfrm>
         </p:spPr>
         <p:txBody>
@@ -2139,8 +2204,8 @@
         </p:nvSpPr>
         <p:spPr>
           <a:xfrm>
-            <a:off x="457200" y="1435100"/>
-            <a:ext cx="3008313" cy="4691063"/>
+            <a:off x="457201" y="1195917"/>
+            <a:ext cx="3008313" cy="3909219"/>
           </a:xfrm>
         </p:spPr>
         <p:txBody>
@@ -2209,7 +2274,7 @@
           <a:p>
             <a:fld id="{AA309A6D-C09C-4548-B29A-6CF363A7E532}" type="datetimeFigureOut">
               <a:rPr lang="fr-FR" smtClean="0"/>
-              <a:t>15/06/2016</a:t>
+              <a:t>26/06/2016</a:t>
             </a:fld>
             <a:endParaRPr lang="fr-BE"/>
           </a:p>
@@ -2294,8 +2359,8 @@
         </p:nvSpPr>
         <p:spPr>
           <a:xfrm>
-            <a:off x="1792288" y="4800600"/>
-            <a:ext cx="5486400" cy="566738"/>
+            <a:off x="1792288" y="4000500"/>
+            <a:ext cx="5486400" cy="472282"/>
           </a:xfrm>
         </p:spPr>
         <p:txBody>
@@ -2326,8 +2391,8 @@
         </p:nvSpPr>
         <p:spPr>
           <a:xfrm>
-            <a:off x="1792288" y="612775"/>
-            <a:ext cx="5486400" cy="4114800"/>
+            <a:off x="1792288" y="510646"/>
+            <a:ext cx="5486400" cy="3429000"/>
           </a:xfrm>
         </p:spPr>
         <p:txBody>
@@ -2387,8 +2452,8 @@
         </p:nvSpPr>
         <p:spPr>
           <a:xfrm>
-            <a:off x="1792288" y="5367338"/>
-            <a:ext cx="5486400" cy="804862"/>
+            <a:off x="1792288" y="4472782"/>
+            <a:ext cx="5486400" cy="670718"/>
           </a:xfrm>
         </p:spPr>
         <p:txBody>
@@ -2457,7 +2522,7 @@
           <a:p>
             <a:fld id="{AA309A6D-C09C-4548-B29A-6CF363A7E532}" type="datetimeFigureOut">
               <a:rPr lang="fr-FR" smtClean="0"/>
-              <a:t>15/06/2016</a:t>
+              <a:t>26/06/2016</a:t>
             </a:fld>
             <a:endParaRPr lang="fr-BE"/>
           </a:p>
@@ -2547,8 +2612,8 @@
         </p:nvSpPr>
         <p:spPr>
           <a:xfrm>
-            <a:off x="457200" y="274638"/>
-            <a:ext cx="8229600" cy="1143000"/>
+            <a:off x="457200" y="228865"/>
+            <a:ext cx="8229600" cy="952500"/>
           </a:xfrm>
           <a:prstGeom prst="rect">
             <a:avLst/>
@@ -2580,8 +2645,8 @@
         </p:nvSpPr>
         <p:spPr>
           <a:xfrm>
-            <a:off x="457200" y="1600200"/>
-            <a:ext cx="8229600" cy="4525963"/>
+            <a:off x="457200" y="1333500"/>
+            <a:ext cx="8229600" cy="3771636"/>
           </a:xfrm>
           <a:prstGeom prst="rect">
             <a:avLst/>
@@ -2642,8 +2707,8 @@
         </p:nvSpPr>
         <p:spPr>
           <a:xfrm>
-            <a:off x="457200" y="6356350"/>
-            <a:ext cx="2133600" cy="365125"/>
+            <a:off x="457200" y="5296959"/>
+            <a:ext cx="2133600" cy="304271"/>
           </a:xfrm>
           <a:prstGeom prst="rect">
             <a:avLst/>
@@ -2665,7 +2730,7 @@
           <a:p>
             <a:fld id="{AA309A6D-C09C-4548-B29A-6CF363A7E532}" type="datetimeFigureOut">
               <a:rPr lang="fr-FR" smtClean="0"/>
-              <a:t>15/06/2016</a:t>
+              <a:t>26/06/2016</a:t>
             </a:fld>
             <a:endParaRPr lang="fr-BE"/>
           </a:p>
@@ -2683,8 +2748,8 @@
         </p:nvSpPr>
         <p:spPr>
           <a:xfrm>
-            <a:off x="3124200" y="6356350"/>
-            <a:ext cx="2895600" cy="365125"/>
+            <a:off x="3124200" y="5296959"/>
+            <a:ext cx="2895600" cy="304271"/>
           </a:xfrm>
           <a:prstGeom prst="rect">
             <a:avLst/>
@@ -2720,8 +2785,8 @@
         </p:nvSpPr>
         <p:spPr>
           <a:xfrm>
-            <a:off x="6553200" y="6356350"/>
-            <a:ext cx="2133600" cy="365125"/>
+            <a:off x="6553200" y="5296959"/>
+            <a:ext cx="2133600" cy="304271"/>
           </a:xfrm>
           <a:prstGeom prst="rect">
             <a:avLst/>
@@ -3043,8 +3108,8 @@
         </p:nvSpPr>
         <p:spPr>
           <a:xfrm>
-            <a:off x="1835696" y="-1971600"/>
-            <a:ext cx="3367372" cy="8829600"/>
+            <a:off x="1835696" y="-1643000"/>
+            <a:ext cx="3367372" cy="7358000"/>
           </a:xfrm>
           <a:prstGeom prst="rect">
             <a:avLst/>
@@ -3091,8 +3156,8 @@
         </p:nvSpPr>
         <p:spPr>
           <a:xfrm rot="16200000">
-            <a:off x="1672800" y="5193077"/>
-            <a:ext cx="631068" cy="305273"/>
+            <a:off x="1725389" y="4302125"/>
+            <a:ext cx="525890" cy="305273"/>
           </a:xfrm>
           <a:prstGeom prst="rect">
             <a:avLst/>
@@ -3151,8 +3216,8 @@
         </p:nvSpPr>
         <p:spPr>
           <a:xfrm>
-            <a:off x="1835696" y="5661248"/>
-            <a:ext cx="675456" cy="305271"/>
+            <a:off x="1835696" y="4717707"/>
+            <a:ext cx="675456" cy="254393"/>
           </a:xfrm>
           <a:prstGeom prst="rect">
             <a:avLst/>
@@ -3222,8 +3287,8 @@
         </p:nvSpPr>
         <p:spPr>
           <a:xfrm>
-            <a:off x="1835696" y="6552729"/>
-            <a:ext cx="3367372" cy="305271"/>
+            <a:off x="1835696" y="5460608"/>
+            <a:ext cx="3367372" cy="254393"/>
           </a:xfrm>
           <a:prstGeom prst="rect">
             <a:avLst/>
@@ -3282,8 +3347,8 @@
         </p:nvSpPr>
         <p:spPr>
           <a:xfrm rot="16200000">
-            <a:off x="1672800" y="4559867"/>
-            <a:ext cx="631068" cy="305273"/>
+            <a:off x="1725389" y="3774450"/>
+            <a:ext cx="525890" cy="305273"/>
           </a:xfrm>
           <a:prstGeom prst="rect">
             <a:avLst/>
@@ -3342,8 +3407,8 @@
         </p:nvSpPr>
         <p:spPr>
           <a:xfrm rot="5400000">
-            <a:off x="3040951" y="4244332"/>
-            <a:ext cx="631068" cy="305273"/>
+            <a:off x="3093540" y="3511504"/>
+            <a:ext cx="525890" cy="305273"/>
           </a:xfrm>
           <a:prstGeom prst="rect">
             <a:avLst/>
@@ -3402,8 +3467,8 @@
         </p:nvSpPr>
         <p:spPr>
           <a:xfrm>
-            <a:off x="1835696" y="3717032"/>
-            <a:ext cx="675456" cy="305271"/>
+            <a:off x="1835696" y="3097527"/>
+            <a:ext cx="675456" cy="254393"/>
           </a:xfrm>
           <a:prstGeom prst="rect">
             <a:avLst/>
@@ -3462,8 +3527,8 @@
         </p:nvSpPr>
         <p:spPr>
           <a:xfrm rot="16200000">
-            <a:off x="3346227" y="4244332"/>
-            <a:ext cx="631068" cy="305273"/>
+            <a:off x="3398816" y="3511504"/>
+            <a:ext cx="525890" cy="305273"/>
           </a:xfrm>
           <a:prstGeom prst="rect">
             <a:avLst/>
@@ -3522,8 +3587,8 @@
         </p:nvSpPr>
         <p:spPr>
           <a:xfrm rot="5400000">
-            <a:off x="3040951" y="3613264"/>
-            <a:ext cx="631068" cy="305273"/>
+            <a:off x="3093540" y="2985614"/>
+            <a:ext cx="525890" cy="305273"/>
           </a:xfrm>
           <a:prstGeom prst="rect">
             <a:avLst/>
@@ -3582,8 +3647,8 @@
         </p:nvSpPr>
         <p:spPr>
           <a:xfrm rot="16200000">
-            <a:off x="3346226" y="3613263"/>
-            <a:ext cx="631068" cy="305273"/>
+            <a:off x="3398815" y="2985614"/>
+            <a:ext cx="525890" cy="305273"/>
           </a:xfrm>
           <a:prstGeom prst="rect">
             <a:avLst/>
@@ -3642,8 +3707,8 @@
         </p:nvSpPr>
         <p:spPr>
           <a:xfrm rot="16200000">
-            <a:off x="3345988" y="2799809"/>
-            <a:ext cx="631068" cy="305273"/>
+            <a:off x="3398577" y="2307735"/>
+            <a:ext cx="525890" cy="305273"/>
           </a:xfrm>
           <a:prstGeom prst="rect">
             <a:avLst/>
@@ -3702,8 +3767,8 @@
         </p:nvSpPr>
         <p:spPr>
           <a:xfrm rot="5400000">
-            <a:off x="3040712" y="2168741"/>
-            <a:ext cx="631068" cy="305273"/>
+            <a:off x="3093301" y="1781845"/>
+            <a:ext cx="525890" cy="305273"/>
           </a:xfrm>
           <a:prstGeom prst="rect">
             <a:avLst/>
@@ -3762,8 +3827,8 @@
         </p:nvSpPr>
         <p:spPr>
           <a:xfrm rot="16200000">
-            <a:off x="3345987" y="2168740"/>
-            <a:ext cx="631068" cy="305273"/>
+            <a:off x="3398576" y="1781844"/>
+            <a:ext cx="525890" cy="305273"/>
           </a:xfrm>
           <a:prstGeom prst="rect">
             <a:avLst/>
@@ -3822,8 +3887,8 @@
         </p:nvSpPr>
         <p:spPr>
           <a:xfrm rot="5400000">
-            <a:off x="3040474" y="2799809"/>
-            <a:ext cx="631068" cy="305273"/>
+            <a:off x="3093063" y="2307735"/>
+            <a:ext cx="525890" cy="305273"/>
           </a:xfrm>
           <a:prstGeom prst="rect">
             <a:avLst/>
@@ -3882,8 +3947,8 @@
         </p:nvSpPr>
         <p:spPr>
           <a:xfrm>
-            <a:off x="3203848" y="1700569"/>
-            <a:ext cx="631068" cy="305273"/>
+            <a:off x="3203848" y="1417141"/>
+            <a:ext cx="631068" cy="254394"/>
           </a:xfrm>
           <a:prstGeom prst="rect">
             <a:avLst/>
@@ -3942,8 +4007,8 @@
         </p:nvSpPr>
         <p:spPr>
           <a:xfrm rot="16200000">
-            <a:off x="1672798" y="3248861"/>
-            <a:ext cx="631068" cy="305273"/>
+            <a:off x="1725387" y="2681945"/>
+            <a:ext cx="525890" cy="305273"/>
           </a:xfrm>
           <a:prstGeom prst="rect">
             <a:avLst/>
@@ -4002,8 +4067,8 @@
         </p:nvSpPr>
         <p:spPr>
           <a:xfrm rot="16200000">
-            <a:off x="1672801" y="2617793"/>
-            <a:ext cx="631068" cy="305273"/>
+            <a:off x="1725390" y="2156055"/>
+            <a:ext cx="525890" cy="305273"/>
           </a:xfrm>
           <a:prstGeom prst="rect">
             <a:avLst/>
@@ -4062,8 +4127,8 @@
         </p:nvSpPr>
         <p:spPr>
           <a:xfrm rot="16200000">
-            <a:off x="1672804" y="1986725"/>
-            <a:ext cx="631068" cy="305273"/>
+            <a:off x="1725393" y="1630165"/>
+            <a:ext cx="525890" cy="305273"/>
           </a:xfrm>
           <a:prstGeom prst="rect">
             <a:avLst/>
@@ -4122,8 +4187,8 @@
         </p:nvSpPr>
         <p:spPr>
           <a:xfrm>
-            <a:off x="1825204" y="1508057"/>
-            <a:ext cx="586556" cy="315770"/>
+            <a:off x="1825204" y="1256714"/>
+            <a:ext cx="586556" cy="263142"/>
           </a:xfrm>
           <a:prstGeom prst="rect">
             <a:avLst/>
@@ -4182,8 +4247,8 @@
         </p:nvSpPr>
         <p:spPr>
           <a:xfrm rot="16200000">
-            <a:off x="1672804" y="855593"/>
-            <a:ext cx="631068" cy="305273"/>
+            <a:off x="1725393" y="687555"/>
+            <a:ext cx="525890" cy="305273"/>
           </a:xfrm>
           <a:prstGeom prst="rect">
             <a:avLst/>
@@ -4242,8 +4307,8 @@
         </p:nvSpPr>
         <p:spPr>
           <a:xfrm>
-            <a:off x="4572000" y="4365104"/>
-            <a:ext cx="631068" cy="305273"/>
+            <a:off x="4572000" y="3637587"/>
+            <a:ext cx="631068" cy="254394"/>
           </a:xfrm>
           <a:prstGeom prst="rect">
             <a:avLst/>
@@ -4302,8 +4367,8 @@
         </p:nvSpPr>
         <p:spPr>
           <a:xfrm>
-            <a:off x="4572000" y="6004047"/>
-            <a:ext cx="631068" cy="305273"/>
+            <a:off x="4572000" y="5003373"/>
+            <a:ext cx="631068" cy="254394"/>
           </a:xfrm>
           <a:prstGeom prst="rect">
             <a:avLst/>
@@ -4362,8 +4427,8 @@
         </p:nvSpPr>
         <p:spPr>
           <a:xfrm rot="5400000">
-            <a:off x="4734897" y="2799810"/>
-            <a:ext cx="631068" cy="305273"/>
+            <a:off x="4787486" y="2307736"/>
+            <a:ext cx="525890" cy="305273"/>
           </a:xfrm>
           <a:prstGeom prst="rect">
             <a:avLst/>
@@ -4422,8 +4487,8 @@
         </p:nvSpPr>
         <p:spPr>
           <a:xfrm rot="5400000">
-            <a:off x="4734897" y="2168740"/>
-            <a:ext cx="631068" cy="305273"/>
+            <a:off x="4787486" y="1781844"/>
+            <a:ext cx="525890" cy="305273"/>
           </a:xfrm>
           <a:prstGeom prst="rect">
             <a:avLst/>
@@ -4482,8 +4547,8 @@
         </p:nvSpPr>
         <p:spPr>
           <a:xfrm rot="16200000">
-            <a:off x="1662307" y="-152637"/>
-            <a:ext cx="631068" cy="305273"/>
+            <a:off x="1714896" y="-152637"/>
+            <a:ext cx="525890" cy="305273"/>
           </a:xfrm>
           <a:prstGeom prst="rect">
             <a:avLst/>
@@ -4542,8 +4607,8 @@
         </p:nvSpPr>
         <p:spPr>
           <a:xfrm>
-            <a:off x="1835701" y="-624166"/>
-            <a:ext cx="631068" cy="305273"/>
+            <a:off x="1835701" y="-520138"/>
+            <a:ext cx="631068" cy="254394"/>
           </a:xfrm>
           <a:prstGeom prst="rect">
             <a:avLst/>
@@ -4602,8 +4667,8 @@
         </p:nvSpPr>
         <p:spPr>
           <a:xfrm rot="16200000">
-            <a:off x="1608519" y="-1385602"/>
-            <a:ext cx="792089" cy="337721"/>
+            <a:off x="1674527" y="-1182811"/>
+            <a:ext cx="660074" cy="337721"/>
           </a:xfrm>
           <a:prstGeom prst="rect">
             <a:avLst/>
@@ -4662,8 +4727,8 @@
         </p:nvSpPr>
         <p:spPr>
           <a:xfrm>
-            <a:off x="2173424" y="-1971600"/>
-            <a:ext cx="631068" cy="305273"/>
+            <a:off x="2173424" y="-1643000"/>
+            <a:ext cx="631068" cy="254394"/>
           </a:xfrm>
           <a:prstGeom prst="rect">
             <a:avLst/>
@@ -4722,8 +4787,8 @@
         </p:nvSpPr>
         <p:spPr>
           <a:xfrm>
-            <a:off x="2804492" y="-1971600"/>
-            <a:ext cx="631068" cy="305273"/>
+            <a:off x="2804492" y="-1643000"/>
+            <a:ext cx="631068" cy="254394"/>
           </a:xfrm>
           <a:prstGeom prst="rect">
             <a:avLst/>
@@ -4782,8 +4847,8 @@
         </p:nvSpPr>
         <p:spPr>
           <a:xfrm>
-            <a:off x="3834916" y="-1971601"/>
-            <a:ext cx="631068" cy="305273"/>
+            <a:off x="3834916" y="-1643000"/>
+            <a:ext cx="631068" cy="254394"/>
           </a:xfrm>
           <a:prstGeom prst="rect">
             <a:avLst/>
@@ -4842,8 +4907,8 @@
         </p:nvSpPr>
         <p:spPr>
           <a:xfrm rot="5400000">
-            <a:off x="4734897" y="-1808703"/>
-            <a:ext cx="631068" cy="305273"/>
+            <a:off x="4787486" y="-1532692"/>
+            <a:ext cx="525890" cy="305273"/>
           </a:xfrm>
           <a:prstGeom prst="rect">
             <a:avLst/>
@@ -4902,8 +4967,8 @@
         </p:nvSpPr>
         <p:spPr>
           <a:xfrm rot="5400000">
-            <a:off x="4734898" y="-1177634"/>
-            <a:ext cx="631068" cy="305273"/>
+            <a:off x="4787487" y="-1006801"/>
+            <a:ext cx="525890" cy="305273"/>
           </a:xfrm>
           <a:prstGeom prst="rect">
             <a:avLst/>
@@ -4962,8 +5027,8 @@
         </p:nvSpPr>
         <p:spPr>
           <a:xfrm>
-            <a:off x="4582261" y="-318893"/>
-            <a:ext cx="631068" cy="305273"/>
+            <a:off x="4582261" y="-265744"/>
+            <a:ext cx="631068" cy="254394"/>
           </a:xfrm>
           <a:prstGeom prst="rect">
             <a:avLst/>
@@ -5022,8 +5087,8 @@
         </p:nvSpPr>
         <p:spPr>
           <a:xfrm>
-            <a:off x="3957057" y="-319130"/>
-            <a:ext cx="631068" cy="305273"/>
+            <a:off x="3957057" y="-265941"/>
+            <a:ext cx="631068" cy="254394"/>
           </a:xfrm>
           <a:prstGeom prst="rect">
             <a:avLst/>
@@ -5082,8 +5147,8 @@
         </p:nvSpPr>
         <p:spPr>
           <a:xfrm>
-            <a:off x="4582261" y="315534"/>
-            <a:ext cx="631068" cy="305273"/>
+            <a:off x="4582261" y="262946"/>
+            <a:ext cx="631068" cy="254394"/>
           </a:xfrm>
           <a:prstGeom prst="rect">
             <a:avLst/>
@@ -5138,6 +5203,1986 @@
     <p:extLst>
       <p:ext uri="{BB962C8B-B14F-4D97-AF65-F5344CB8AC3E}">
         <p14:creationId xmlns:p14="http://schemas.microsoft.com/office/powerpoint/2010/main" val="3192610651"/>
+      </p:ext>
+    </p:extLst>
+  </p:cSld>
+  <p:clrMapOvr>
+    <a:masterClrMapping/>
+  </p:clrMapOvr>
+</p:sld>
+</file>
+
+<file path=ppt/slides/slide2.xml><?xml version="1.0" encoding="utf-8"?>
+<p:sld xmlns:a="http://schemas.openxmlformats.org/drawingml/2006/main" xmlns:r="http://schemas.openxmlformats.org/officeDocument/2006/relationships" xmlns:p="http://schemas.openxmlformats.org/presentationml/2006/main">
+  <p:cSld>
+    <p:spTree>
+      <p:nvGrpSpPr>
+        <p:cNvPr id="1" name=""/>
+        <p:cNvGrpSpPr/>
+        <p:nvPr/>
+      </p:nvGrpSpPr>
+      <p:grpSpPr>
+        <a:xfrm>
+          <a:off x="0" y="0"/>
+          <a:ext cx="0" cy="0"/>
+          <a:chOff x="0" y="0"/>
+          <a:chExt cx="0" cy="0"/>
+        </a:xfrm>
+      </p:grpSpPr>
+      <p:sp>
+        <p:nvSpPr>
+          <p:cNvPr id="4" name="Titre 3"/>
+          <p:cNvSpPr>
+            <a:spLocks noGrp="1"/>
+          </p:cNvSpPr>
+          <p:nvPr>
+            <p:ph type="title"/>
+          </p:nvPr>
+        </p:nvSpPr>
+        <p:spPr/>
+        <p:txBody>
+          <a:bodyPr/>
+          <a:lstStyle/>
+          <a:p>
+            <a:endParaRPr lang="fr-FR"/>
+          </a:p>
+        </p:txBody>
+      </p:sp>
+      <p:sp>
+        <p:nvSpPr>
+          <p:cNvPr id="6" name="Rectangle 5"/>
+          <p:cNvSpPr/>
+          <p:nvPr/>
+        </p:nvSpPr>
+        <p:spPr>
+          <a:xfrm rot="10800000">
+            <a:off x="6899876" y="4053901"/>
+            <a:ext cx="525890" cy="305273"/>
+          </a:xfrm>
+          <a:prstGeom prst="rect">
+            <a:avLst/>
+          </a:prstGeom>
+          <a:noFill/>
+          <a:ln>
+            <a:solidFill>
+              <a:schemeClr val="accent5">
+                <a:lumMod val="50000"/>
+              </a:schemeClr>
+            </a:solidFill>
+          </a:ln>
+        </p:spPr>
+        <p:style>
+          <a:lnRef idx="2">
+            <a:schemeClr val="accent1">
+              <a:shade val="50000"/>
+            </a:schemeClr>
+          </a:lnRef>
+          <a:fillRef idx="1">
+            <a:schemeClr val="accent1"/>
+          </a:fillRef>
+          <a:effectRef idx="0">
+            <a:schemeClr val="accent1"/>
+          </a:effectRef>
+          <a:fontRef idx="minor">
+            <a:schemeClr val="lt1"/>
+          </a:fontRef>
+        </p:style>
+        <p:txBody>
+          <a:bodyPr rtlCol="0" anchor="ctr"/>
+          <a:lstStyle/>
+          <a:p>
+            <a:pPr algn="ctr"/>
+            <a:r>
+              <a:rPr lang="fr-FR" sz="1000" dirty="0" smtClean="0">
+                <a:solidFill>
+                  <a:schemeClr val="tx1"/>
+                </a:solidFill>
+              </a:rPr>
+              <a:t>Cheville</a:t>
+            </a:r>
+            <a:endParaRPr lang="fr-FR" sz="1000" dirty="0">
+              <a:solidFill>
+                <a:schemeClr val="tx1"/>
+              </a:solidFill>
+            </a:endParaRPr>
+          </a:p>
+        </p:txBody>
+      </p:sp>
+      <p:sp>
+        <p:nvSpPr>
+          <p:cNvPr id="7" name="Rectangle 6"/>
+          <p:cNvSpPr/>
+          <p:nvPr/>
+        </p:nvSpPr>
+        <p:spPr>
+          <a:xfrm rot="16200000">
+            <a:off x="7215235" y="3894251"/>
+            <a:ext cx="675456" cy="254393"/>
+          </a:xfrm>
+          <a:prstGeom prst="rect">
+            <a:avLst/>
+          </a:prstGeom>
+          <a:noFill/>
+          <a:ln>
+            <a:solidFill>
+              <a:schemeClr val="accent5">
+                <a:lumMod val="50000"/>
+              </a:schemeClr>
+            </a:solidFill>
+          </a:ln>
+        </p:spPr>
+        <p:style>
+          <a:lnRef idx="2">
+            <a:schemeClr val="accent1">
+              <a:shade val="50000"/>
+            </a:schemeClr>
+          </a:lnRef>
+          <a:fillRef idx="1">
+            <a:schemeClr val="accent1"/>
+          </a:fillRef>
+          <a:effectRef idx="0">
+            <a:schemeClr val="accent1"/>
+          </a:effectRef>
+          <a:fontRef idx="minor">
+            <a:schemeClr val="lt1"/>
+          </a:fontRef>
+        </p:style>
+        <p:txBody>
+          <a:bodyPr rtlCol="0" anchor="ctr"/>
+          <a:lstStyle/>
+          <a:p>
+            <a:pPr algn="ctr"/>
+            <a:r>
+              <a:rPr lang="fr-FR" sz="1000" dirty="0" smtClean="0">
+                <a:solidFill>
+                  <a:schemeClr val="tx1"/>
+                </a:solidFill>
+              </a:rPr>
+              <a:t>Berceau</a:t>
+            </a:r>
+          </a:p>
+          <a:p>
+            <a:pPr algn="ctr"/>
+            <a:r>
+              <a:rPr lang="fr-FR" sz="1000" dirty="0" smtClean="0">
+                <a:solidFill>
+                  <a:schemeClr val="tx1"/>
+                </a:solidFill>
+              </a:rPr>
+              <a:t>Cordeuse</a:t>
+            </a:r>
+            <a:endParaRPr lang="fr-FR" sz="1000" dirty="0">
+              <a:solidFill>
+                <a:schemeClr val="tx1"/>
+              </a:solidFill>
+            </a:endParaRPr>
+          </a:p>
+        </p:txBody>
+      </p:sp>
+      <p:sp>
+        <p:nvSpPr>
+          <p:cNvPr id="9" name="Rectangle 8"/>
+          <p:cNvSpPr/>
+          <p:nvPr/>
+        </p:nvSpPr>
+        <p:spPr>
+          <a:xfrm rot="10800000">
+            <a:off x="6372201" y="4053901"/>
+            <a:ext cx="525890" cy="305273"/>
+          </a:xfrm>
+          <a:prstGeom prst="rect">
+            <a:avLst/>
+          </a:prstGeom>
+          <a:noFill/>
+          <a:ln>
+            <a:solidFill>
+              <a:schemeClr val="accent5">
+                <a:lumMod val="50000"/>
+              </a:schemeClr>
+            </a:solidFill>
+          </a:ln>
+        </p:spPr>
+        <p:style>
+          <a:lnRef idx="2">
+            <a:schemeClr val="accent1">
+              <a:shade val="50000"/>
+            </a:schemeClr>
+          </a:lnRef>
+          <a:fillRef idx="1">
+            <a:schemeClr val="accent1"/>
+          </a:fillRef>
+          <a:effectRef idx="0">
+            <a:schemeClr val="accent1"/>
+          </a:effectRef>
+          <a:fontRef idx="minor">
+            <a:schemeClr val="lt1"/>
+          </a:fontRef>
+        </p:style>
+        <p:txBody>
+          <a:bodyPr rtlCol="0" anchor="ctr"/>
+          <a:lstStyle/>
+          <a:p>
+            <a:pPr algn="ctr"/>
+            <a:r>
+              <a:rPr lang="fr-FR" sz="1000" dirty="0" smtClean="0">
+                <a:solidFill>
+                  <a:schemeClr val="tx1"/>
+                </a:solidFill>
+              </a:rPr>
+              <a:t>BDV</a:t>
+            </a:r>
+            <a:endParaRPr lang="fr-FR" sz="1000" dirty="0">
+              <a:solidFill>
+                <a:schemeClr val="tx1"/>
+              </a:solidFill>
+            </a:endParaRPr>
+          </a:p>
+        </p:txBody>
+      </p:sp>
+      <p:sp>
+        <p:nvSpPr>
+          <p:cNvPr id="10" name="Rectangle 9"/>
+          <p:cNvSpPr/>
+          <p:nvPr/>
+        </p:nvSpPr>
+        <p:spPr>
+          <a:xfrm>
+            <a:off x="5979991" y="3146507"/>
+            <a:ext cx="525890" cy="305273"/>
+          </a:xfrm>
+          <a:prstGeom prst="rect">
+            <a:avLst/>
+          </a:prstGeom>
+          <a:noFill/>
+          <a:ln>
+            <a:solidFill>
+              <a:schemeClr val="accent5">
+                <a:lumMod val="50000"/>
+              </a:schemeClr>
+            </a:solidFill>
+          </a:ln>
+        </p:spPr>
+        <p:style>
+          <a:lnRef idx="2">
+            <a:schemeClr val="accent1">
+              <a:shade val="50000"/>
+            </a:schemeClr>
+          </a:lnRef>
+          <a:fillRef idx="1">
+            <a:schemeClr val="accent1"/>
+          </a:fillRef>
+          <a:effectRef idx="0">
+            <a:schemeClr val="accent1"/>
+          </a:effectRef>
+          <a:fontRef idx="minor">
+            <a:schemeClr val="lt1"/>
+          </a:fontRef>
+        </p:style>
+        <p:txBody>
+          <a:bodyPr rtlCol="0" anchor="ctr"/>
+          <a:lstStyle/>
+          <a:p>
+            <a:pPr algn="ctr"/>
+            <a:r>
+              <a:rPr lang="fr-FR" sz="1000" dirty="0" smtClean="0">
+                <a:solidFill>
+                  <a:schemeClr val="tx1"/>
+                </a:solidFill>
+              </a:rPr>
+              <a:t>MOBY</a:t>
+            </a:r>
+            <a:endParaRPr lang="fr-FR" sz="1000" dirty="0">
+              <a:solidFill>
+                <a:schemeClr val="tx1"/>
+              </a:solidFill>
+            </a:endParaRPr>
+          </a:p>
+        </p:txBody>
+      </p:sp>
+      <p:sp>
+        <p:nvSpPr>
+          <p:cNvPr id="11" name="Rectangle 10"/>
+          <p:cNvSpPr/>
+          <p:nvPr/>
+        </p:nvSpPr>
+        <p:spPr>
+          <a:xfrm rot="16200000">
+            <a:off x="5770234" y="3894251"/>
+            <a:ext cx="675456" cy="254393"/>
+          </a:xfrm>
+          <a:prstGeom prst="rect">
+            <a:avLst/>
+          </a:prstGeom>
+          <a:noFill/>
+          <a:ln>
+            <a:solidFill>
+              <a:schemeClr val="accent5">
+                <a:lumMod val="50000"/>
+              </a:schemeClr>
+            </a:solidFill>
+          </a:ln>
+        </p:spPr>
+        <p:style>
+          <a:lnRef idx="2">
+            <a:schemeClr val="accent1">
+              <a:shade val="50000"/>
+            </a:schemeClr>
+          </a:lnRef>
+          <a:fillRef idx="1">
+            <a:schemeClr val="accent1"/>
+          </a:fillRef>
+          <a:effectRef idx="0">
+            <a:schemeClr val="accent1"/>
+          </a:effectRef>
+          <a:fontRef idx="minor">
+            <a:schemeClr val="lt1"/>
+          </a:fontRef>
+        </p:style>
+        <p:txBody>
+          <a:bodyPr rtlCol="0" anchor="ctr"/>
+          <a:lstStyle/>
+          <a:p>
+            <a:pPr algn="ctr"/>
+            <a:r>
+              <a:rPr lang="fr-FR" sz="1000" dirty="0" smtClean="0">
+                <a:solidFill>
+                  <a:schemeClr val="tx1"/>
+                </a:solidFill>
+              </a:rPr>
+              <a:t>Galet Freineur</a:t>
+            </a:r>
+            <a:endParaRPr lang="fr-FR" sz="1000" dirty="0">
+              <a:solidFill>
+                <a:schemeClr val="tx1"/>
+              </a:solidFill>
+            </a:endParaRPr>
+          </a:p>
+        </p:txBody>
+      </p:sp>
+      <p:sp>
+        <p:nvSpPr>
+          <p:cNvPr id="12" name="Rectangle 11"/>
+          <p:cNvSpPr/>
+          <p:nvPr/>
+        </p:nvSpPr>
+        <p:spPr>
+          <a:xfrm rot="10800000">
+            <a:off x="5979991" y="2841231"/>
+            <a:ext cx="525890" cy="305273"/>
+          </a:xfrm>
+          <a:prstGeom prst="rect">
+            <a:avLst/>
+          </a:prstGeom>
+          <a:noFill/>
+          <a:ln>
+            <a:solidFill>
+              <a:schemeClr val="accent5">
+                <a:lumMod val="50000"/>
+              </a:schemeClr>
+            </a:solidFill>
+          </a:ln>
+        </p:spPr>
+        <p:style>
+          <a:lnRef idx="2">
+            <a:schemeClr val="accent1">
+              <a:shade val="50000"/>
+            </a:schemeClr>
+          </a:lnRef>
+          <a:fillRef idx="1">
+            <a:schemeClr val="accent1"/>
+          </a:fillRef>
+          <a:effectRef idx="0">
+            <a:schemeClr val="accent1"/>
+          </a:effectRef>
+          <a:fontRef idx="minor">
+            <a:schemeClr val="lt1"/>
+          </a:fontRef>
+        </p:style>
+        <p:txBody>
+          <a:bodyPr rtlCol="0" anchor="ctr"/>
+          <a:lstStyle/>
+          <a:p>
+            <a:pPr algn="ctr"/>
+            <a:r>
+              <a:rPr lang="fr-FR" sz="1000" dirty="0" smtClean="0">
+                <a:solidFill>
+                  <a:schemeClr val="tx1"/>
+                </a:solidFill>
+              </a:rPr>
+              <a:t>Cheville</a:t>
+            </a:r>
+            <a:endParaRPr lang="fr-FR" sz="1000" dirty="0">
+              <a:solidFill>
+                <a:schemeClr val="tx1"/>
+              </a:solidFill>
+            </a:endParaRPr>
+          </a:p>
+        </p:txBody>
+      </p:sp>
+      <p:sp>
+        <p:nvSpPr>
+          <p:cNvPr id="13" name="Rectangle 12"/>
+          <p:cNvSpPr/>
+          <p:nvPr/>
+        </p:nvSpPr>
+        <p:spPr>
+          <a:xfrm>
+            <a:off x="5454101" y="3146507"/>
+            <a:ext cx="525890" cy="305273"/>
+          </a:xfrm>
+          <a:prstGeom prst="rect">
+            <a:avLst/>
+          </a:prstGeom>
+          <a:noFill/>
+          <a:ln>
+            <a:solidFill>
+              <a:schemeClr val="accent5">
+                <a:lumMod val="50000"/>
+              </a:schemeClr>
+            </a:solidFill>
+          </a:ln>
+        </p:spPr>
+        <p:style>
+          <a:lnRef idx="2">
+            <a:schemeClr val="accent1">
+              <a:shade val="50000"/>
+            </a:schemeClr>
+          </a:lnRef>
+          <a:fillRef idx="1">
+            <a:schemeClr val="accent1"/>
+          </a:fillRef>
+          <a:effectRef idx="0">
+            <a:schemeClr val="accent1"/>
+          </a:effectRef>
+          <a:fontRef idx="minor">
+            <a:schemeClr val="lt1"/>
+          </a:fontRef>
+        </p:style>
+        <p:txBody>
+          <a:bodyPr rtlCol="0" anchor="ctr"/>
+          <a:lstStyle/>
+          <a:p>
+            <a:pPr algn="ctr"/>
+            <a:r>
+              <a:rPr lang="fr-FR" sz="1000" dirty="0" err="1" smtClean="0">
+                <a:solidFill>
+                  <a:schemeClr val="tx1"/>
+                </a:solidFill>
+              </a:rPr>
+              <a:t>MAxPID</a:t>
+            </a:r>
+            <a:endParaRPr lang="fr-FR" sz="1000" dirty="0">
+              <a:solidFill>
+                <a:schemeClr val="tx1"/>
+              </a:solidFill>
+            </a:endParaRPr>
+          </a:p>
+        </p:txBody>
+      </p:sp>
+      <p:sp>
+        <p:nvSpPr>
+          <p:cNvPr id="14" name="Rectangle 13"/>
+          <p:cNvSpPr/>
+          <p:nvPr/>
+        </p:nvSpPr>
+        <p:spPr>
+          <a:xfrm rot="10800000">
+            <a:off x="5454101" y="2841232"/>
+            <a:ext cx="525890" cy="305273"/>
+          </a:xfrm>
+          <a:prstGeom prst="rect">
+            <a:avLst/>
+          </a:prstGeom>
+          <a:noFill/>
+          <a:ln>
+            <a:solidFill>
+              <a:schemeClr val="accent5">
+                <a:lumMod val="50000"/>
+              </a:schemeClr>
+            </a:solidFill>
+          </a:ln>
+        </p:spPr>
+        <p:style>
+          <a:lnRef idx="2">
+            <a:schemeClr val="accent1">
+              <a:shade val="50000"/>
+            </a:schemeClr>
+          </a:lnRef>
+          <a:fillRef idx="1">
+            <a:schemeClr val="accent1"/>
+          </a:fillRef>
+          <a:effectRef idx="0">
+            <a:schemeClr val="accent1"/>
+          </a:effectRef>
+          <a:fontRef idx="minor">
+            <a:schemeClr val="lt1"/>
+          </a:fontRef>
+        </p:style>
+        <p:txBody>
+          <a:bodyPr rtlCol="0" anchor="ctr"/>
+          <a:lstStyle/>
+          <a:p>
+            <a:pPr algn="ctr"/>
+            <a:r>
+              <a:rPr lang="fr-FR" sz="1000" dirty="0" smtClean="0">
+                <a:solidFill>
+                  <a:schemeClr val="tx1"/>
+                </a:solidFill>
+              </a:rPr>
+              <a:t>6 axes</a:t>
+            </a:r>
+            <a:endParaRPr lang="fr-FR" sz="1000" dirty="0">
+              <a:solidFill>
+                <a:schemeClr val="tx1"/>
+              </a:solidFill>
+            </a:endParaRPr>
+          </a:p>
+        </p:txBody>
+      </p:sp>
+      <p:sp>
+        <p:nvSpPr>
+          <p:cNvPr id="15" name="Rectangle 14"/>
+          <p:cNvSpPr/>
+          <p:nvPr/>
+        </p:nvSpPr>
+        <p:spPr>
+          <a:xfrm rot="10800000">
+            <a:off x="4776222" y="2841470"/>
+            <a:ext cx="525890" cy="305273"/>
+          </a:xfrm>
+          <a:prstGeom prst="rect">
+            <a:avLst/>
+          </a:prstGeom>
+          <a:noFill/>
+          <a:ln>
+            <a:solidFill>
+              <a:schemeClr val="accent5">
+                <a:lumMod val="50000"/>
+              </a:schemeClr>
+            </a:solidFill>
+          </a:ln>
+        </p:spPr>
+        <p:style>
+          <a:lnRef idx="2">
+            <a:schemeClr val="accent1">
+              <a:shade val="50000"/>
+            </a:schemeClr>
+          </a:lnRef>
+          <a:fillRef idx="1">
+            <a:schemeClr val="accent1"/>
+          </a:fillRef>
+          <a:effectRef idx="0">
+            <a:schemeClr val="accent1"/>
+          </a:effectRef>
+          <a:fontRef idx="minor">
+            <a:schemeClr val="lt1"/>
+          </a:fontRef>
+        </p:style>
+        <p:txBody>
+          <a:bodyPr rtlCol="0" anchor="ctr"/>
+          <a:lstStyle/>
+          <a:p>
+            <a:pPr algn="ctr"/>
+            <a:r>
+              <a:rPr lang="fr-FR" sz="900" dirty="0" smtClean="0">
+                <a:solidFill>
+                  <a:schemeClr val="tx1"/>
+                </a:solidFill>
+              </a:rPr>
+              <a:t>Cordeuse</a:t>
+            </a:r>
+            <a:endParaRPr lang="fr-FR" sz="900" dirty="0">
+              <a:solidFill>
+                <a:schemeClr val="tx1"/>
+              </a:solidFill>
+            </a:endParaRPr>
+          </a:p>
+        </p:txBody>
+      </p:sp>
+      <p:sp>
+        <p:nvSpPr>
+          <p:cNvPr id="16" name="Rectangle 15"/>
+          <p:cNvSpPr/>
+          <p:nvPr/>
+        </p:nvSpPr>
+        <p:spPr>
+          <a:xfrm>
+            <a:off x="4250332" y="3146746"/>
+            <a:ext cx="525890" cy="305273"/>
+          </a:xfrm>
+          <a:prstGeom prst="rect">
+            <a:avLst/>
+          </a:prstGeom>
+          <a:noFill/>
+          <a:ln>
+            <a:solidFill>
+              <a:schemeClr val="accent5">
+                <a:lumMod val="50000"/>
+              </a:schemeClr>
+            </a:solidFill>
+          </a:ln>
+        </p:spPr>
+        <p:style>
+          <a:lnRef idx="2">
+            <a:schemeClr val="accent1">
+              <a:shade val="50000"/>
+            </a:schemeClr>
+          </a:lnRef>
+          <a:fillRef idx="1">
+            <a:schemeClr val="accent1"/>
+          </a:fillRef>
+          <a:effectRef idx="0">
+            <a:schemeClr val="accent1"/>
+          </a:effectRef>
+          <a:fontRef idx="minor">
+            <a:schemeClr val="lt1"/>
+          </a:fontRef>
+        </p:style>
+        <p:txBody>
+          <a:bodyPr rtlCol="0" anchor="ctr"/>
+          <a:lstStyle/>
+          <a:p>
+            <a:pPr algn="ctr"/>
+            <a:r>
+              <a:rPr lang="fr-FR" sz="1000" dirty="0" smtClean="0">
+                <a:solidFill>
+                  <a:schemeClr val="tx1"/>
+                </a:solidFill>
+              </a:rPr>
+              <a:t>VELO</a:t>
+            </a:r>
+            <a:endParaRPr lang="fr-FR" sz="1000" dirty="0">
+              <a:solidFill>
+                <a:schemeClr val="tx1"/>
+              </a:solidFill>
+            </a:endParaRPr>
+          </a:p>
+        </p:txBody>
+      </p:sp>
+      <p:sp>
+        <p:nvSpPr>
+          <p:cNvPr id="17" name="Rectangle 16"/>
+          <p:cNvSpPr/>
+          <p:nvPr/>
+        </p:nvSpPr>
+        <p:spPr>
+          <a:xfrm rot="10800000">
+            <a:off x="4250331" y="2841471"/>
+            <a:ext cx="525890" cy="305273"/>
+          </a:xfrm>
+          <a:prstGeom prst="rect">
+            <a:avLst/>
+          </a:prstGeom>
+          <a:noFill/>
+          <a:ln>
+            <a:solidFill>
+              <a:schemeClr val="accent5">
+                <a:lumMod val="50000"/>
+              </a:schemeClr>
+            </a:solidFill>
+          </a:ln>
+        </p:spPr>
+        <p:style>
+          <a:lnRef idx="2">
+            <a:schemeClr val="accent1">
+              <a:shade val="50000"/>
+            </a:schemeClr>
+          </a:lnRef>
+          <a:fillRef idx="1">
+            <a:schemeClr val="accent1"/>
+          </a:fillRef>
+          <a:effectRef idx="0">
+            <a:schemeClr val="accent1"/>
+          </a:effectRef>
+          <a:fontRef idx="minor">
+            <a:schemeClr val="lt1"/>
+          </a:fontRef>
+        </p:style>
+        <p:txBody>
+          <a:bodyPr rtlCol="0" anchor="ctr"/>
+          <a:lstStyle/>
+          <a:p>
+            <a:pPr algn="ctr"/>
+            <a:r>
+              <a:rPr lang="fr-FR" sz="1000" dirty="0" smtClean="0">
+                <a:solidFill>
+                  <a:schemeClr val="tx1"/>
+                </a:solidFill>
+              </a:rPr>
+              <a:t>PC</a:t>
+            </a:r>
+            <a:endParaRPr lang="fr-FR" sz="1000" dirty="0">
+              <a:solidFill>
+                <a:schemeClr val="tx1"/>
+              </a:solidFill>
+            </a:endParaRPr>
+          </a:p>
+        </p:txBody>
+      </p:sp>
+      <p:sp>
+        <p:nvSpPr>
+          <p:cNvPr id="18" name="Rectangle 17"/>
+          <p:cNvSpPr/>
+          <p:nvPr/>
+        </p:nvSpPr>
+        <p:spPr>
+          <a:xfrm>
+            <a:off x="4776222" y="3146984"/>
+            <a:ext cx="525890" cy="305273"/>
+          </a:xfrm>
+          <a:prstGeom prst="rect">
+            <a:avLst/>
+          </a:prstGeom>
+          <a:noFill/>
+          <a:ln>
+            <a:solidFill>
+              <a:schemeClr val="accent5">
+                <a:lumMod val="50000"/>
+              </a:schemeClr>
+            </a:solidFill>
+          </a:ln>
+        </p:spPr>
+        <p:style>
+          <a:lnRef idx="2">
+            <a:schemeClr val="accent1">
+              <a:shade val="50000"/>
+            </a:schemeClr>
+          </a:lnRef>
+          <a:fillRef idx="1">
+            <a:schemeClr val="accent1"/>
+          </a:fillRef>
+          <a:effectRef idx="0">
+            <a:schemeClr val="accent1"/>
+          </a:effectRef>
+          <a:fontRef idx="minor">
+            <a:schemeClr val="lt1"/>
+          </a:fontRef>
+        </p:style>
+        <p:txBody>
+          <a:bodyPr rtlCol="0" anchor="ctr"/>
+          <a:lstStyle/>
+          <a:p>
+            <a:pPr algn="ctr"/>
+            <a:r>
+              <a:rPr lang="fr-FR" sz="1000" dirty="0" smtClean="0">
+                <a:solidFill>
+                  <a:schemeClr val="tx1"/>
+                </a:solidFill>
+              </a:rPr>
+              <a:t>PC</a:t>
+            </a:r>
+            <a:endParaRPr lang="fr-FR" sz="1000" dirty="0">
+              <a:solidFill>
+                <a:schemeClr val="tx1"/>
+              </a:solidFill>
+            </a:endParaRPr>
+          </a:p>
+        </p:txBody>
+      </p:sp>
+      <p:sp>
+        <p:nvSpPr>
+          <p:cNvPr id="19" name="Rectangle 18"/>
+          <p:cNvSpPr/>
+          <p:nvPr/>
+        </p:nvSpPr>
+        <p:spPr>
+          <a:xfrm rot="16200000">
+            <a:off x="3807599" y="3009050"/>
+            <a:ext cx="631068" cy="254394"/>
+          </a:xfrm>
+          <a:prstGeom prst="rect">
+            <a:avLst/>
+          </a:prstGeom>
+          <a:noFill/>
+          <a:ln>
+            <a:solidFill>
+              <a:schemeClr val="accent5">
+                <a:lumMod val="50000"/>
+              </a:schemeClr>
+            </a:solidFill>
+          </a:ln>
+        </p:spPr>
+        <p:style>
+          <a:lnRef idx="2">
+            <a:schemeClr val="accent1">
+              <a:shade val="50000"/>
+            </a:schemeClr>
+          </a:lnRef>
+          <a:fillRef idx="1">
+            <a:schemeClr val="accent1"/>
+          </a:fillRef>
+          <a:effectRef idx="0">
+            <a:schemeClr val="accent1"/>
+          </a:effectRef>
+          <a:fontRef idx="minor">
+            <a:schemeClr val="lt1"/>
+          </a:fontRef>
+        </p:style>
+        <p:txBody>
+          <a:bodyPr rtlCol="0" anchor="ctr"/>
+          <a:lstStyle/>
+          <a:p>
+            <a:pPr algn="ctr"/>
+            <a:r>
+              <a:rPr lang="fr-FR" sz="1000" dirty="0" smtClean="0">
+                <a:solidFill>
+                  <a:schemeClr val="tx1"/>
+                </a:solidFill>
+              </a:rPr>
+              <a:t>VELO</a:t>
+            </a:r>
+            <a:endParaRPr lang="fr-FR" sz="1000" dirty="0">
+              <a:solidFill>
+                <a:schemeClr val="tx1"/>
+              </a:solidFill>
+            </a:endParaRPr>
+          </a:p>
+        </p:txBody>
+      </p:sp>
+      <p:sp>
+        <p:nvSpPr>
+          <p:cNvPr id="20" name="Rectangle 19"/>
+          <p:cNvSpPr/>
+          <p:nvPr/>
+        </p:nvSpPr>
+        <p:spPr>
+          <a:xfrm rot="10800000">
+            <a:off x="5454875" y="4053903"/>
+            <a:ext cx="525890" cy="305273"/>
+          </a:xfrm>
+          <a:prstGeom prst="rect">
+            <a:avLst/>
+          </a:prstGeom>
+          <a:noFill/>
+          <a:ln>
+            <a:solidFill>
+              <a:schemeClr val="accent5">
+                <a:lumMod val="50000"/>
+              </a:schemeClr>
+            </a:solidFill>
+          </a:ln>
+        </p:spPr>
+        <p:style>
+          <a:lnRef idx="2">
+            <a:schemeClr val="accent1">
+              <a:shade val="50000"/>
+            </a:schemeClr>
+          </a:lnRef>
+          <a:fillRef idx="1">
+            <a:schemeClr val="accent1"/>
+          </a:fillRef>
+          <a:effectRef idx="0">
+            <a:schemeClr val="accent1"/>
+          </a:effectRef>
+          <a:fontRef idx="minor">
+            <a:schemeClr val="lt1"/>
+          </a:fontRef>
+        </p:style>
+        <p:txBody>
+          <a:bodyPr rtlCol="0" anchor="ctr"/>
+          <a:lstStyle/>
+          <a:p>
+            <a:pPr algn="ctr"/>
+            <a:r>
+              <a:rPr lang="fr-FR" sz="1000" dirty="0" smtClean="0">
+                <a:solidFill>
+                  <a:schemeClr val="tx1"/>
+                </a:solidFill>
+              </a:rPr>
+              <a:t>PC</a:t>
+            </a:r>
+            <a:endParaRPr lang="fr-FR" sz="1000" dirty="0">
+              <a:solidFill>
+                <a:schemeClr val="tx1"/>
+              </a:solidFill>
+            </a:endParaRPr>
+          </a:p>
+        </p:txBody>
+      </p:sp>
+      <p:sp>
+        <p:nvSpPr>
+          <p:cNvPr id="21" name="Rectangle 20"/>
+          <p:cNvSpPr/>
+          <p:nvPr/>
+        </p:nvSpPr>
+        <p:spPr>
+          <a:xfrm rot="10800000">
+            <a:off x="4928985" y="4053901"/>
+            <a:ext cx="525890" cy="305273"/>
+          </a:xfrm>
+          <a:prstGeom prst="rect">
+            <a:avLst/>
+          </a:prstGeom>
+          <a:noFill/>
+          <a:ln>
+            <a:solidFill>
+              <a:schemeClr val="accent5">
+                <a:lumMod val="50000"/>
+              </a:schemeClr>
+            </a:solidFill>
+          </a:ln>
+        </p:spPr>
+        <p:style>
+          <a:lnRef idx="2">
+            <a:schemeClr val="accent1">
+              <a:shade val="50000"/>
+            </a:schemeClr>
+          </a:lnRef>
+          <a:fillRef idx="1">
+            <a:schemeClr val="accent1"/>
+          </a:fillRef>
+          <a:effectRef idx="0">
+            <a:schemeClr val="accent1"/>
+          </a:effectRef>
+          <a:fontRef idx="minor">
+            <a:schemeClr val="lt1"/>
+          </a:fontRef>
+        </p:style>
+        <p:txBody>
+          <a:bodyPr rtlCol="0" anchor="ctr"/>
+          <a:lstStyle/>
+          <a:p>
+            <a:pPr algn="ctr"/>
+            <a:r>
+              <a:rPr lang="fr-FR" sz="1000" dirty="0" smtClean="0">
+                <a:solidFill>
+                  <a:schemeClr val="tx1"/>
+                </a:solidFill>
+              </a:rPr>
+              <a:t>PC</a:t>
+            </a:r>
+            <a:endParaRPr lang="fr-FR" sz="1000" dirty="0">
+              <a:solidFill>
+                <a:schemeClr val="tx1"/>
+              </a:solidFill>
+            </a:endParaRPr>
+          </a:p>
+        </p:txBody>
+      </p:sp>
+      <p:sp>
+        <p:nvSpPr>
+          <p:cNvPr id="22" name="Rectangle 21"/>
+          <p:cNvSpPr/>
+          <p:nvPr/>
+        </p:nvSpPr>
+        <p:spPr>
+          <a:xfrm rot="10800000">
+            <a:off x="4403095" y="4053898"/>
+            <a:ext cx="525890" cy="305273"/>
+          </a:xfrm>
+          <a:prstGeom prst="rect">
+            <a:avLst/>
+          </a:prstGeom>
+          <a:noFill/>
+          <a:ln>
+            <a:solidFill>
+              <a:schemeClr val="accent5">
+                <a:lumMod val="50000"/>
+              </a:schemeClr>
+            </a:solidFill>
+          </a:ln>
+        </p:spPr>
+        <p:style>
+          <a:lnRef idx="2">
+            <a:schemeClr val="accent1">
+              <a:shade val="50000"/>
+            </a:schemeClr>
+          </a:lnRef>
+          <a:fillRef idx="1">
+            <a:schemeClr val="accent1"/>
+          </a:fillRef>
+          <a:effectRef idx="0">
+            <a:schemeClr val="accent1"/>
+          </a:effectRef>
+          <a:fontRef idx="minor">
+            <a:schemeClr val="lt1"/>
+          </a:fontRef>
+        </p:style>
+        <p:txBody>
+          <a:bodyPr rtlCol="0" anchor="ctr"/>
+          <a:lstStyle/>
+          <a:p>
+            <a:pPr algn="ctr"/>
+            <a:r>
+              <a:rPr lang="fr-FR" sz="1000" dirty="0" smtClean="0">
+                <a:solidFill>
+                  <a:schemeClr val="tx1"/>
+                </a:solidFill>
+              </a:rPr>
+              <a:t>PC</a:t>
+            </a:r>
+            <a:endParaRPr lang="fr-FR" sz="1000" dirty="0">
+              <a:solidFill>
+                <a:schemeClr val="tx1"/>
+              </a:solidFill>
+            </a:endParaRPr>
+          </a:p>
+        </p:txBody>
+      </p:sp>
+      <p:sp>
+        <p:nvSpPr>
+          <p:cNvPr id="23" name="Rectangle 22"/>
+          <p:cNvSpPr/>
+          <p:nvPr/>
+        </p:nvSpPr>
+        <p:spPr>
+          <a:xfrm rot="16200000">
+            <a:off x="3978245" y="3944819"/>
+            <a:ext cx="586556" cy="263142"/>
+          </a:xfrm>
+          <a:prstGeom prst="rect">
+            <a:avLst/>
+          </a:prstGeom>
+          <a:noFill/>
+          <a:ln>
+            <a:solidFill>
+              <a:schemeClr val="accent5">
+                <a:lumMod val="50000"/>
+              </a:schemeClr>
+            </a:solidFill>
+          </a:ln>
+        </p:spPr>
+        <p:style>
+          <a:lnRef idx="2">
+            <a:schemeClr val="accent1">
+              <a:shade val="50000"/>
+            </a:schemeClr>
+          </a:lnRef>
+          <a:fillRef idx="1">
+            <a:schemeClr val="accent1"/>
+          </a:fillRef>
+          <a:effectRef idx="0">
+            <a:schemeClr val="accent1"/>
+          </a:effectRef>
+          <a:fontRef idx="minor">
+            <a:schemeClr val="lt1"/>
+          </a:fontRef>
+        </p:style>
+        <p:txBody>
+          <a:bodyPr lIns="0" tIns="0" rIns="0" bIns="0" rtlCol="0" anchor="ctr"/>
+          <a:lstStyle/>
+          <a:p>
+            <a:pPr algn="ctr"/>
+            <a:r>
+              <a:rPr lang="fr-FR" sz="1000" dirty="0" smtClean="0">
+                <a:solidFill>
+                  <a:schemeClr val="tx1"/>
+                </a:solidFill>
+              </a:rPr>
+              <a:t>Sympact</a:t>
+            </a:r>
+            <a:endParaRPr lang="fr-FR" sz="1000" dirty="0">
+              <a:solidFill>
+                <a:schemeClr val="tx1"/>
+              </a:solidFill>
+            </a:endParaRPr>
+          </a:p>
+        </p:txBody>
+      </p:sp>
+      <p:sp>
+        <p:nvSpPr>
+          <p:cNvPr id="24" name="Rectangle 23"/>
+          <p:cNvSpPr/>
+          <p:nvPr/>
+        </p:nvSpPr>
+        <p:spPr>
+          <a:xfrm rot="10800000">
+            <a:off x="2689563" y="4053898"/>
+            <a:ext cx="525890" cy="305273"/>
+          </a:xfrm>
+          <a:prstGeom prst="rect">
+            <a:avLst/>
+          </a:prstGeom>
+          <a:noFill/>
+          <a:ln>
+            <a:solidFill>
+              <a:schemeClr val="accent5">
+                <a:lumMod val="50000"/>
+              </a:schemeClr>
+            </a:solidFill>
+          </a:ln>
+        </p:spPr>
+        <p:style>
+          <a:lnRef idx="2">
+            <a:schemeClr val="accent1">
+              <a:shade val="50000"/>
+            </a:schemeClr>
+          </a:lnRef>
+          <a:fillRef idx="1">
+            <a:schemeClr val="accent1"/>
+          </a:fillRef>
+          <a:effectRef idx="0">
+            <a:schemeClr val="accent1"/>
+          </a:effectRef>
+          <a:fontRef idx="minor">
+            <a:schemeClr val="lt1"/>
+          </a:fontRef>
+        </p:style>
+        <p:txBody>
+          <a:bodyPr rtlCol="0" anchor="ctr"/>
+          <a:lstStyle/>
+          <a:p>
+            <a:pPr algn="ctr"/>
+            <a:r>
+              <a:rPr lang="fr-FR" sz="1000" dirty="0" smtClean="0">
+                <a:solidFill>
+                  <a:schemeClr val="tx1"/>
+                </a:solidFill>
+              </a:rPr>
+              <a:t>PC</a:t>
+            </a:r>
+            <a:endParaRPr lang="fr-FR" sz="1000" dirty="0">
+              <a:solidFill>
+                <a:schemeClr val="tx1"/>
+              </a:solidFill>
+            </a:endParaRPr>
+          </a:p>
+        </p:txBody>
+      </p:sp>
+      <p:sp>
+        <p:nvSpPr>
+          <p:cNvPr id="25" name="Rectangle 24"/>
+          <p:cNvSpPr/>
+          <p:nvPr/>
+        </p:nvSpPr>
+        <p:spPr>
+          <a:xfrm rot="16200000">
+            <a:off x="5561566" y="2087858"/>
+            <a:ext cx="631068" cy="254394"/>
+          </a:xfrm>
+          <a:prstGeom prst="rect">
+            <a:avLst/>
+          </a:prstGeom>
+          <a:noFill/>
+          <a:ln>
+            <a:solidFill>
+              <a:schemeClr val="accent5">
+                <a:lumMod val="50000"/>
+              </a:schemeClr>
+            </a:solidFill>
+          </a:ln>
+        </p:spPr>
+        <p:style>
+          <a:lnRef idx="2">
+            <a:schemeClr val="accent1">
+              <a:shade val="50000"/>
+            </a:schemeClr>
+          </a:lnRef>
+          <a:fillRef idx="1">
+            <a:schemeClr val="accent1"/>
+          </a:fillRef>
+          <a:effectRef idx="0">
+            <a:schemeClr val="accent1"/>
+          </a:effectRef>
+          <a:fontRef idx="minor">
+            <a:schemeClr val="lt1"/>
+          </a:fontRef>
+        </p:style>
+        <p:txBody>
+          <a:bodyPr rtlCol="0" anchor="ctr"/>
+          <a:lstStyle/>
+          <a:p>
+            <a:pPr algn="ctr"/>
+            <a:r>
+              <a:rPr lang="fr-FR" sz="1000" dirty="0" smtClean="0">
+                <a:solidFill>
+                  <a:schemeClr val="tx1"/>
+                </a:solidFill>
+              </a:rPr>
+              <a:t>PC</a:t>
+            </a:r>
+            <a:endParaRPr lang="fr-FR" sz="1000" dirty="0">
+              <a:solidFill>
+                <a:schemeClr val="tx1"/>
+              </a:solidFill>
+            </a:endParaRPr>
+          </a:p>
+        </p:txBody>
+      </p:sp>
+      <p:sp>
+        <p:nvSpPr>
+          <p:cNvPr id="26" name="Rectangle 25"/>
+          <p:cNvSpPr/>
+          <p:nvPr/>
+        </p:nvSpPr>
+        <p:spPr>
+          <a:xfrm rot="16200000">
+            <a:off x="8128079" y="2221634"/>
+            <a:ext cx="631068" cy="254394"/>
+          </a:xfrm>
+          <a:prstGeom prst="rect">
+            <a:avLst/>
+          </a:prstGeom>
+          <a:noFill/>
+          <a:ln>
+            <a:solidFill>
+              <a:schemeClr val="accent5">
+                <a:lumMod val="50000"/>
+              </a:schemeClr>
+            </a:solidFill>
+          </a:ln>
+        </p:spPr>
+        <p:style>
+          <a:lnRef idx="2">
+            <a:schemeClr val="accent1">
+              <a:shade val="50000"/>
+            </a:schemeClr>
+          </a:lnRef>
+          <a:fillRef idx="1">
+            <a:schemeClr val="accent1"/>
+          </a:fillRef>
+          <a:effectRef idx="0">
+            <a:schemeClr val="accent1"/>
+          </a:effectRef>
+          <a:fontRef idx="minor">
+            <a:schemeClr val="lt1"/>
+          </a:fontRef>
+        </p:style>
+        <p:txBody>
+          <a:bodyPr rtlCol="0" anchor="ctr"/>
+          <a:lstStyle/>
+          <a:p>
+            <a:pPr algn="ctr"/>
+            <a:r>
+              <a:rPr lang="fr-FR" sz="1000" dirty="0" smtClean="0">
+                <a:solidFill>
+                  <a:schemeClr val="tx1"/>
+                </a:solidFill>
+              </a:rPr>
+              <a:t>PC</a:t>
+            </a:r>
+            <a:endParaRPr lang="fr-FR" sz="1000" dirty="0">
+              <a:solidFill>
+                <a:schemeClr val="tx1"/>
+              </a:solidFill>
+            </a:endParaRPr>
+          </a:p>
+        </p:txBody>
+      </p:sp>
+      <p:sp>
+        <p:nvSpPr>
+          <p:cNvPr id="27" name="Rectangle 26"/>
+          <p:cNvSpPr/>
+          <p:nvPr/>
+        </p:nvSpPr>
+        <p:spPr>
+          <a:xfrm>
+            <a:off x="4309744" y="1899521"/>
+            <a:ext cx="525890" cy="305273"/>
+          </a:xfrm>
+          <a:prstGeom prst="rect">
+            <a:avLst/>
+          </a:prstGeom>
+          <a:noFill/>
+          <a:ln>
+            <a:solidFill>
+              <a:schemeClr val="accent5">
+                <a:lumMod val="50000"/>
+              </a:schemeClr>
+            </a:solidFill>
+          </a:ln>
+        </p:spPr>
+        <p:style>
+          <a:lnRef idx="2">
+            <a:schemeClr val="accent1">
+              <a:shade val="50000"/>
+            </a:schemeClr>
+          </a:lnRef>
+          <a:fillRef idx="1">
+            <a:schemeClr val="accent1"/>
+          </a:fillRef>
+          <a:effectRef idx="0">
+            <a:schemeClr val="accent1"/>
+          </a:effectRef>
+          <a:fontRef idx="minor">
+            <a:schemeClr val="lt1"/>
+          </a:fontRef>
+        </p:style>
+        <p:txBody>
+          <a:bodyPr rtlCol="0" anchor="ctr"/>
+          <a:lstStyle/>
+          <a:p>
+            <a:pPr algn="ctr"/>
+            <a:r>
+              <a:rPr lang="fr-FR" sz="1000" dirty="0" smtClean="0">
+                <a:solidFill>
+                  <a:schemeClr val="tx1"/>
+                </a:solidFill>
+              </a:rPr>
+              <a:t>PC</a:t>
+            </a:r>
+            <a:endParaRPr lang="fr-FR" sz="1000" dirty="0">
+              <a:solidFill>
+                <a:schemeClr val="tx1"/>
+              </a:solidFill>
+            </a:endParaRPr>
+          </a:p>
+        </p:txBody>
+      </p:sp>
+      <p:sp>
+        <p:nvSpPr>
+          <p:cNvPr id="28" name="Rectangle 27"/>
+          <p:cNvSpPr/>
+          <p:nvPr/>
+        </p:nvSpPr>
+        <p:spPr>
+          <a:xfrm>
+            <a:off x="3783852" y="1899521"/>
+            <a:ext cx="525890" cy="305273"/>
+          </a:xfrm>
+          <a:prstGeom prst="rect">
+            <a:avLst/>
+          </a:prstGeom>
+          <a:noFill/>
+          <a:ln>
+            <a:solidFill>
+              <a:schemeClr val="accent5">
+                <a:lumMod val="50000"/>
+              </a:schemeClr>
+            </a:solidFill>
+          </a:ln>
+        </p:spPr>
+        <p:style>
+          <a:lnRef idx="2">
+            <a:schemeClr val="accent1">
+              <a:shade val="50000"/>
+            </a:schemeClr>
+          </a:lnRef>
+          <a:fillRef idx="1">
+            <a:schemeClr val="accent1"/>
+          </a:fillRef>
+          <a:effectRef idx="0">
+            <a:schemeClr val="accent1"/>
+          </a:effectRef>
+          <a:fontRef idx="minor">
+            <a:schemeClr val="lt1"/>
+          </a:fontRef>
+        </p:style>
+        <p:txBody>
+          <a:bodyPr rtlCol="0" anchor="ctr"/>
+          <a:lstStyle/>
+          <a:p>
+            <a:pPr algn="ctr"/>
+            <a:r>
+              <a:rPr lang="fr-FR" sz="1000" dirty="0" smtClean="0">
+                <a:solidFill>
+                  <a:schemeClr val="tx1"/>
+                </a:solidFill>
+              </a:rPr>
+              <a:t>Caps.</a:t>
+            </a:r>
+            <a:endParaRPr lang="fr-FR" sz="1000" dirty="0">
+              <a:solidFill>
+                <a:schemeClr val="tx1"/>
+              </a:solidFill>
+            </a:endParaRPr>
+          </a:p>
+        </p:txBody>
+      </p:sp>
+      <p:sp>
+        <p:nvSpPr>
+          <p:cNvPr id="29" name="Rectangle 28"/>
+          <p:cNvSpPr/>
+          <p:nvPr/>
+        </p:nvSpPr>
+        <p:spPr>
+          <a:xfrm rot="10800000">
+            <a:off x="1849371" y="4064395"/>
+            <a:ext cx="525890" cy="305273"/>
+          </a:xfrm>
+          <a:prstGeom prst="rect">
+            <a:avLst/>
+          </a:prstGeom>
+          <a:noFill/>
+          <a:ln>
+            <a:solidFill>
+              <a:schemeClr val="accent5">
+                <a:lumMod val="50000"/>
+              </a:schemeClr>
+            </a:solidFill>
+          </a:ln>
+        </p:spPr>
+        <p:style>
+          <a:lnRef idx="2">
+            <a:schemeClr val="accent1">
+              <a:shade val="50000"/>
+            </a:schemeClr>
+          </a:lnRef>
+          <a:fillRef idx="1">
+            <a:schemeClr val="accent1"/>
+          </a:fillRef>
+          <a:effectRef idx="0">
+            <a:schemeClr val="accent1"/>
+          </a:effectRef>
+          <a:fontRef idx="minor">
+            <a:schemeClr val="lt1"/>
+          </a:fontRef>
+        </p:style>
+        <p:txBody>
+          <a:bodyPr rtlCol="0" anchor="ctr"/>
+          <a:lstStyle/>
+          <a:p>
+            <a:pPr algn="ctr"/>
+            <a:r>
+              <a:rPr lang="fr-FR" sz="1000" dirty="0" smtClean="0">
+                <a:solidFill>
+                  <a:schemeClr val="tx1"/>
+                </a:solidFill>
+              </a:rPr>
+              <a:t>PC</a:t>
+            </a:r>
+            <a:endParaRPr lang="fr-FR" sz="1000" dirty="0">
+              <a:solidFill>
+                <a:schemeClr val="tx1"/>
+              </a:solidFill>
+            </a:endParaRPr>
+          </a:p>
+        </p:txBody>
+      </p:sp>
+      <p:sp>
+        <p:nvSpPr>
+          <p:cNvPr id="30" name="Rectangle 29"/>
+          <p:cNvSpPr/>
+          <p:nvPr/>
+        </p:nvSpPr>
+        <p:spPr>
+          <a:xfrm rot="16200000">
+            <a:off x="1403841" y="3916440"/>
+            <a:ext cx="631068" cy="254394"/>
+          </a:xfrm>
+          <a:prstGeom prst="rect">
+            <a:avLst/>
+          </a:prstGeom>
+          <a:noFill/>
+          <a:ln>
+            <a:solidFill>
+              <a:schemeClr val="accent5">
+                <a:lumMod val="50000"/>
+              </a:schemeClr>
+            </a:solidFill>
+          </a:ln>
+        </p:spPr>
+        <p:style>
+          <a:lnRef idx="2">
+            <a:schemeClr val="accent1">
+              <a:shade val="50000"/>
+            </a:schemeClr>
+          </a:lnRef>
+          <a:fillRef idx="1">
+            <a:schemeClr val="accent1"/>
+          </a:fillRef>
+          <a:effectRef idx="0">
+            <a:schemeClr val="accent1"/>
+          </a:effectRef>
+          <a:fontRef idx="minor">
+            <a:schemeClr val="lt1"/>
+          </a:fontRef>
+        </p:style>
+        <p:txBody>
+          <a:bodyPr rtlCol="0" anchor="ctr"/>
+          <a:lstStyle/>
+          <a:p>
+            <a:pPr algn="ctr"/>
+            <a:r>
+              <a:rPr lang="fr-FR" sz="1000" dirty="0" err="1" smtClean="0">
+                <a:solidFill>
+                  <a:schemeClr val="tx1"/>
+                </a:solidFill>
+              </a:rPr>
+              <a:t>Uhing</a:t>
+            </a:r>
+            <a:endParaRPr lang="fr-FR" sz="1000" dirty="0">
+              <a:solidFill>
+                <a:schemeClr val="tx1"/>
+              </a:solidFill>
+            </a:endParaRPr>
+          </a:p>
+        </p:txBody>
+      </p:sp>
+      <p:sp>
+        <p:nvSpPr>
+          <p:cNvPr id="31" name="Rectangle 30"/>
+          <p:cNvSpPr/>
+          <p:nvPr/>
+        </p:nvSpPr>
+        <p:spPr>
+          <a:xfrm rot="10800000">
+            <a:off x="587959" y="4011014"/>
+            <a:ext cx="660074" cy="337721"/>
+          </a:xfrm>
+          <a:prstGeom prst="rect">
+            <a:avLst/>
+          </a:prstGeom>
+          <a:noFill/>
+          <a:ln>
+            <a:solidFill>
+              <a:schemeClr val="accent5">
+                <a:lumMod val="50000"/>
+              </a:schemeClr>
+            </a:solidFill>
+          </a:ln>
+        </p:spPr>
+        <p:style>
+          <a:lnRef idx="2">
+            <a:schemeClr val="accent1">
+              <a:shade val="50000"/>
+            </a:schemeClr>
+          </a:lnRef>
+          <a:fillRef idx="1">
+            <a:schemeClr val="accent1"/>
+          </a:fillRef>
+          <a:effectRef idx="0">
+            <a:schemeClr val="accent1"/>
+          </a:effectRef>
+          <a:fontRef idx="minor">
+            <a:schemeClr val="lt1"/>
+          </a:fontRef>
+        </p:style>
+        <p:txBody>
+          <a:bodyPr rtlCol="0" anchor="ctr"/>
+          <a:lstStyle/>
+          <a:p>
+            <a:pPr algn="ctr"/>
+            <a:r>
+              <a:rPr lang="fr-FR" sz="1000" dirty="0" smtClean="0">
+                <a:solidFill>
+                  <a:schemeClr val="tx1"/>
+                </a:solidFill>
+              </a:rPr>
+              <a:t>Portail</a:t>
+            </a:r>
+            <a:endParaRPr lang="fr-FR" sz="1000" dirty="0">
+              <a:solidFill>
+                <a:schemeClr val="tx1"/>
+              </a:solidFill>
+            </a:endParaRPr>
+          </a:p>
+        </p:txBody>
+      </p:sp>
+      <p:sp>
+        <p:nvSpPr>
+          <p:cNvPr id="32" name="Rectangle 31"/>
+          <p:cNvSpPr/>
+          <p:nvPr/>
+        </p:nvSpPr>
+        <p:spPr>
+          <a:xfrm rot="16200000">
+            <a:off x="145229" y="3930238"/>
+            <a:ext cx="631068" cy="254394"/>
+          </a:xfrm>
+          <a:prstGeom prst="rect">
+            <a:avLst/>
+          </a:prstGeom>
+          <a:noFill/>
+          <a:ln>
+            <a:solidFill>
+              <a:schemeClr val="accent5">
+                <a:lumMod val="50000"/>
+              </a:schemeClr>
+            </a:solidFill>
+          </a:ln>
+        </p:spPr>
+        <p:style>
+          <a:lnRef idx="2">
+            <a:schemeClr val="accent1">
+              <a:shade val="50000"/>
+            </a:schemeClr>
+          </a:lnRef>
+          <a:fillRef idx="1">
+            <a:schemeClr val="accent1"/>
+          </a:fillRef>
+          <a:effectRef idx="0">
+            <a:schemeClr val="accent1"/>
+          </a:effectRef>
+          <a:fontRef idx="minor">
+            <a:schemeClr val="lt1"/>
+          </a:fontRef>
+        </p:style>
+        <p:txBody>
+          <a:bodyPr rtlCol="0" anchor="ctr"/>
+          <a:lstStyle/>
+          <a:p>
+            <a:pPr algn="ctr"/>
+            <a:r>
+              <a:rPr lang="fr-FR" sz="1000" dirty="0" smtClean="0">
+                <a:solidFill>
+                  <a:schemeClr val="tx1"/>
+                </a:solidFill>
+              </a:rPr>
+              <a:t>PC</a:t>
+            </a:r>
+            <a:endParaRPr lang="fr-FR" sz="1000" dirty="0">
+              <a:solidFill>
+                <a:schemeClr val="tx1"/>
+              </a:solidFill>
+            </a:endParaRPr>
+          </a:p>
+        </p:txBody>
+      </p:sp>
+      <p:sp>
+        <p:nvSpPr>
+          <p:cNvPr id="33" name="Rectangle 32"/>
+          <p:cNvSpPr/>
+          <p:nvPr/>
+        </p:nvSpPr>
+        <p:spPr>
+          <a:xfrm rot="16200000">
+            <a:off x="145228" y="3299170"/>
+            <a:ext cx="631068" cy="254394"/>
+          </a:xfrm>
+          <a:prstGeom prst="rect">
+            <a:avLst/>
+          </a:prstGeom>
+          <a:noFill/>
+          <a:ln>
+            <a:solidFill>
+              <a:schemeClr val="accent5">
+                <a:lumMod val="50000"/>
+              </a:schemeClr>
+            </a:solidFill>
+          </a:ln>
+        </p:spPr>
+        <p:style>
+          <a:lnRef idx="2">
+            <a:schemeClr val="accent1">
+              <a:shade val="50000"/>
+            </a:schemeClr>
+          </a:lnRef>
+          <a:fillRef idx="1">
+            <a:schemeClr val="accent1"/>
+          </a:fillRef>
+          <a:effectRef idx="0">
+            <a:schemeClr val="accent1"/>
+          </a:effectRef>
+          <a:fontRef idx="minor">
+            <a:schemeClr val="lt1"/>
+          </a:fontRef>
+        </p:style>
+        <p:txBody>
+          <a:bodyPr rtlCol="0" anchor="ctr"/>
+          <a:lstStyle/>
+          <a:p>
+            <a:pPr algn="ctr"/>
+            <a:r>
+              <a:rPr lang="fr-FR" sz="1000" dirty="0" err="1" smtClean="0">
+                <a:solidFill>
+                  <a:schemeClr val="tx1"/>
+                </a:solidFill>
+              </a:rPr>
+              <a:t>Diravi</a:t>
+            </a:r>
+            <a:endParaRPr lang="fr-FR" sz="1000" dirty="0">
+              <a:solidFill>
+                <a:schemeClr val="tx1"/>
+              </a:solidFill>
+            </a:endParaRPr>
+          </a:p>
+        </p:txBody>
+      </p:sp>
+      <p:sp>
+        <p:nvSpPr>
+          <p:cNvPr id="34" name="Rectangle 33"/>
+          <p:cNvSpPr/>
+          <p:nvPr/>
+        </p:nvSpPr>
+        <p:spPr>
+          <a:xfrm rot="16200000">
+            <a:off x="145230" y="2387266"/>
+            <a:ext cx="631068" cy="254394"/>
+          </a:xfrm>
+          <a:prstGeom prst="rect">
+            <a:avLst/>
+          </a:prstGeom>
+          <a:noFill/>
+          <a:ln>
+            <a:solidFill>
+              <a:schemeClr val="accent5">
+                <a:lumMod val="50000"/>
+              </a:schemeClr>
+            </a:solidFill>
+          </a:ln>
+        </p:spPr>
+        <p:style>
+          <a:lnRef idx="2">
+            <a:schemeClr val="accent1">
+              <a:shade val="50000"/>
+            </a:schemeClr>
+          </a:lnRef>
+          <a:fillRef idx="1">
+            <a:schemeClr val="accent1"/>
+          </a:fillRef>
+          <a:effectRef idx="0">
+            <a:schemeClr val="accent1"/>
+          </a:effectRef>
+          <a:fontRef idx="minor">
+            <a:schemeClr val="lt1"/>
+          </a:fontRef>
+        </p:style>
+        <p:txBody>
+          <a:bodyPr rtlCol="0" anchor="ctr"/>
+          <a:lstStyle/>
+          <a:p>
+            <a:pPr algn="ctr"/>
+            <a:r>
+              <a:rPr lang="fr-FR" sz="1000" dirty="0" smtClean="0">
+                <a:solidFill>
+                  <a:schemeClr val="tx1"/>
+                </a:solidFill>
+              </a:rPr>
+              <a:t>DAE</a:t>
+            </a:r>
+            <a:endParaRPr lang="fr-FR" sz="1000" dirty="0">
+              <a:solidFill>
+                <a:schemeClr val="tx1"/>
+              </a:solidFill>
+            </a:endParaRPr>
+          </a:p>
+        </p:txBody>
+      </p:sp>
+      <p:sp>
+        <p:nvSpPr>
+          <p:cNvPr id="35" name="Rectangle 34"/>
+          <p:cNvSpPr/>
+          <p:nvPr/>
+        </p:nvSpPr>
+        <p:spPr>
+          <a:xfrm>
+            <a:off x="333567" y="1899522"/>
+            <a:ext cx="525890" cy="305273"/>
+          </a:xfrm>
+          <a:prstGeom prst="rect">
+            <a:avLst/>
+          </a:prstGeom>
+          <a:noFill/>
+          <a:ln>
+            <a:solidFill>
+              <a:schemeClr val="accent5">
+                <a:lumMod val="50000"/>
+              </a:schemeClr>
+            </a:solidFill>
+          </a:ln>
+        </p:spPr>
+        <p:style>
+          <a:lnRef idx="2">
+            <a:schemeClr val="accent1">
+              <a:shade val="50000"/>
+            </a:schemeClr>
+          </a:lnRef>
+          <a:fillRef idx="1">
+            <a:schemeClr val="accent1"/>
+          </a:fillRef>
+          <a:effectRef idx="0">
+            <a:schemeClr val="accent1"/>
+          </a:effectRef>
+          <a:fontRef idx="minor">
+            <a:schemeClr val="lt1"/>
+          </a:fontRef>
+        </p:style>
+        <p:txBody>
+          <a:bodyPr rtlCol="0" anchor="ctr"/>
+          <a:lstStyle/>
+          <a:p>
+            <a:pPr algn="ctr"/>
+            <a:r>
+              <a:rPr lang="fr-FR" sz="1000" dirty="0" smtClean="0">
+                <a:solidFill>
+                  <a:schemeClr val="tx1"/>
+                </a:solidFill>
+              </a:rPr>
+              <a:t>PC</a:t>
+            </a:r>
+            <a:endParaRPr lang="fr-FR" sz="1000" dirty="0">
+              <a:solidFill>
+                <a:schemeClr val="tx1"/>
+              </a:solidFill>
+            </a:endParaRPr>
+          </a:p>
+        </p:txBody>
+      </p:sp>
+      <p:sp>
+        <p:nvSpPr>
+          <p:cNvPr id="36" name="Rectangle 35"/>
+          <p:cNvSpPr/>
+          <p:nvPr/>
+        </p:nvSpPr>
+        <p:spPr>
+          <a:xfrm>
+            <a:off x="859457" y="1899521"/>
+            <a:ext cx="525890" cy="305273"/>
+          </a:xfrm>
+          <a:prstGeom prst="rect">
+            <a:avLst/>
+          </a:prstGeom>
+          <a:noFill/>
+          <a:ln>
+            <a:solidFill>
+              <a:schemeClr val="accent5">
+                <a:lumMod val="50000"/>
+              </a:schemeClr>
+            </a:solidFill>
+          </a:ln>
+        </p:spPr>
+        <p:style>
+          <a:lnRef idx="2">
+            <a:schemeClr val="accent1">
+              <a:shade val="50000"/>
+            </a:schemeClr>
+          </a:lnRef>
+          <a:fillRef idx="1">
+            <a:schemeClr val="accent1"/>
+          </a:fillRef>
+          <a:effectRef idx="0">
+            <a:schemeClr val="accent1"/>
+          </a:effectRef>
+          <a:fontRef idx="minor">
+            <a:schemeClr val="lt1"/>
+          </a:fontRef>
+        </p:style>
+        <p:txBody>
+          <a:bodyPr rtlCol="0" anchor="ctr"/>
+          <a:lstStyle/>
+          <a:p>
+            <a:pPr algn="ctr"/>
+            <a:r>
+              <a:rPr lang="fr-FR" sz="1000" dirty="0" smtClean="0">
+                <a:solidFill>
+                  <a:schemeClr val="tx1"/>
+                </a:solidFill>
+              </a:rPr>
+              <a:t>Traction</a:t>
+            </a:r>
+            <a:endParaRPr lang="fr-FR" sz="1000" dirty="0">
+              <a:solidFill>
+                <a:schemeClr val="tx1"/>
+              </a:solidFill>
+            </a:endParaRPr>
+          </a:p>
+        </p:txBody>
+      </p:sp>
+      <p:sp>
+        <p:nvSpPr>
+          <p:cNvPr id="37" name="Rectangle 36"/>
+          <p:cNvSpPr/>
+          <p:nvPr/>
+        </p:nvSpPr>
+        <p:spPr>
+          <a:xfrm rot="16200000">
+            <a:off x="1658235" y="2077597"/>
+            <a:ext cx="631068" cy="254394"/>
+          </a:xfrm>
+          <a:prstGeom prst="rect">
+            <a:avLst/>
+          </a:prstGeom>
+          <a:noFill/>
+          <a:ln>
+            <a:solidFill>
+              <a:schemeClr val="accent5">
+                <a:lumMod val="50000"/>
+              </a:schemeClr>
+            </a:solidFill>
+          </a:ln>
+        </p:spPr>
+        <p:style>
+          <a:lnRef idx="2">
+            <a:schemeClr val="accent1">
+              <a:shade val="50000"/>
+            </a:schemeClr>
+          </a:lnRef>
+          <a:fillRef idx="1">
+            <a:schemeClr val="accent1"/>
+          </a:fillRef>
+          <a:effectRef idx="0">
+            <a:schemeClr val="accent1"/>
+          </a:effectRef>
+          <a:fontRef idx="minor">
+            <a:schemeClr val="lt1"/>
+          </a:fontRef>
+        </p:style>
+        <p:txBody>
+          <a:bodyPr rtlCol="0" anchor="ctr"/>
+          <a:lstStyle/>
+          <a:p>
+            <a:pPr algn="ctr"/>
+            <a:r>
+              <a:rPr lang="fr-FR" sz="1000" dirty="0" smtClean="0">
+                <a:solidFill>
+                  <a:schemeClr val="tx1"/>
+                </a:solidFill>
+              </a:rPr>
+              <a:t>Bocaux</a:t>
+            </a:r>
+            <a:endParaRPr lang="fr-FR" sz="1000" dirty="0">
+              <a:solidFill>
+                <a:schemeClr val="tx1"/>
+              </a:solidFill>
+            </a:endParaRPr>
+          </a:p>
+        </p:txBody>
+      </p:sp>
+      <p:sp>
+        <p:nvSpPr>
+          <p:cNvPr id="38" name="Rectangle 37"/>
+          <p:cNvSpPr/>
+          <p:nvPr/>
+        </p:nvSpPr>
+        <p:spPr>
+          <a:xfrm rot="16200000">
+            <a:off x="1658038" y="2702801"/>
+            <a:ext cx="631068" cy="254394"/>
+          </a:xfrm>
+          <a:prstGeom prst="rect">
+            <a:avLst/>
+          </a:prstGeom>
+          <a:noFill/>
+          <a:ln>
+            <a:solidFill>
+              <a:schemeClr val="accent5">
+                <a:lumMod val="50000"/>
+              </a:schemeClr>
+            </a:solidFill>
+          </a:ln>
+        </p:spPr>
+        <p:style>
+          <a:lnRef idx="2">
+            <a:schemeClr val="accent1">
+              <a:shade val="50000"/>
+            </a:schemeClr>
+          </a:lnRef>
+          <a:fillRef idx="1">
+            <a:schemeClr val="accent1"/>
+          </a:fillRef>
+          <a:effectRef idx="0">
+            <a:schemeClr val="accent1"/>
+          </a:effectRef>
+          <a:fontRef idx="minor">
+            <a:schemeClr val="lt1"/>
+          </a:fontRef>
+        </p:style>
+        <p:txBody>
+          <a:bodyPr rtlCol="0" anchor="ctr"/>
+          <a:lstStyle/>
+          <a:p>
+            <a:pPr algn="ctr"/>
+            <a:r>
+              <a:rPr lang="fr-FR" sz="1000" dirty="0" smtClean="0">
+                <a:solidFill>
+                  <a:schemeClr val="tx1"/>
+                </a:solidFill>
+              </a:rPr>
+              <a:t>PC</a:t>
+            </a:r>
+            <a:endParaRPr lang="fr-FR" sz="1000" dirty="0">
+              <a:solidFill>
+                <a:schemeClr val="tx1"/>
+              </a:solidFill>
+            </a:endParaRPr>
+          </a:p>
+        </p:txBody>
+      </p:sp>
+    </p:spTree>
+    <p:extLst>
+      <p:ext uri="{BB962C8B-B14F-4D97-AF65-F5344CB8AC3E}">
+        <p14:creationId xmlns:p14="http://schemas.microsoft.com/office/powerpoint/2010/main" val="1235043116"/>
       </p:ext>
     </p:extLst>
   </p:cSld>

--- a/Laboratoire/LaboB204.pptx
+++ b/Laboratoire/LaboB204.pptx
@@ -289,7 +289,7 @@
           <a:p>
             <a:fld id="{AA309A6D-C09C-4548-B29A-6CF363A7E532}" type="datetimeFigureOut">
               <a:rPr lang="fr-FR" smtClean="0"/>
-              <a:t>26/06/2016</a:t>
+              <a:t>27/06/2016</a:t>
             </a:fld>
             <a:endParaRPr lang="fr-BE"/>
           </a:p>
@@ -454,7 +454,7 @@
           <a:p>
             <a:fld id="{AA309A6D-C09C-4548-B29A-6CF363A7E532}" type="datetimeFigureOut">
               <a:rPr lang="fr-FR" smtClean="0"/>
-              <a:t>26/06/2016</a:t>
+              <a:t>27/06/2016</a:t>
             </a:fld>
             <a:endParaRPr lang="fr-BE"/>
           </a:p>
@@ -629,7 +629,7 @@
           <a:p>
             <a:fld id="{AA309A6D-C09C-4548-B29A-6CF363A7E532}" type="datetimeFigureOut">
               <a:rPr lang="fr-FR" smtClean="0"/>
-              <a:t>26/06/2016</a:t>
+              <a:t>27/06/2016</a:t>
             </a:fld>
             <a:endParaRPr lang="fr-BE"/>
           </a:p>
@@ -794,7 +794,7 @@
           <a:p>
             <a:fld id="{AA309A6D-C09C-4548-B29A-6CF363A7E532}" type="datetimeFigureOut">
               <a:rPr lang="fr-FR" smtClean="0"/>
-              <a:t>26/06/2016</a:t>
+              <a:t>27/06/2016</a:t>
             </a:fld>
             <a:endParaRPr lang="fr-BE"/>
           </a:p>
@@ -1035,7 +1035,7 @@
           <a:p>
             <a:fld id="{AA309A6D-C09C-4548-B29A-6CF363A7E532}" type="datetimeFigureOut">
               <a:rPr lang="fr-FR" smtClean="0"/>
-              <a:t>26/06/2016</a:t>
+              <a:t>27/06/2016</a:t>
             </a:fld>
             <a:endParaRPr lang="fr-BE"/>
           </a:p>
@@ -1318,7 +1318,7 @@
           <a:p>
             <a:fld id="{AA309A6D-C09C-4548-B29A-6CF363A7E532}" type="datetimeFigureOut">
               <a:rPr lang="fr-FR" smtClean="0"/>
-              <a:t>26/06/2016</a:t>
+              <a:t>27/06/2016</a:t>
             </a:fld>
             <a:endParaRPr lang="fr-BE"/>
           </a:p>
@@ -1735,7 +1735,7 @@
           <a:p>
             <a:fld id="{AA309A6D-C09C-4548-B29A-6CF363A7E532}" type="datetimeFigureOut">
               <a:rPr lang="fr-FR" smtClean="0"/>
-              <a:t>26/06/2016</a:t>
+              <a:t>27/06/2016</a:t>
             </a:fld>
             <a:endParaRPr lang="fr-BE"/>
           </a:p>
@@ -1848,7 +1848,7 @@
           <a:p>
             <a:fld id="{AA309A6D-C09C-4548-B29A-6CF363A7E532}" type="datetimeFigureOut">
               <a:rPr lang="fr-FR" smtClean="0"/>
-              <a:t>26/06/2016</a:t>
+              <a:t>27/06/2016</a:t>
             </a:fld>
             <a:endParaRPr lang="fr-BE"/>
           </a:p>
@@ -2002,7 +2002,7 @@
           <a:p>
             <a:fld id="{AA309A6D-C09C-4548-B29A-6CF363A7E532}" type="datetimeFigureOut">
               <a:rPr lang="fr-FR" smtClean="0"/>
-              <a:t>26/06/2016</a:t>
+              <a:t>27/06/2016</a:t>
             </a:fld>
             <a:endParaRPr lang="fr-BE"/>
           </a:p>
@@ -2274,7 +2274,7 @@
           <a:p>
             <a:fld id="{AA309A6D-C09C-4548-B29A-6CF363A7E532}" type="datetimeFigureOut">
               <a:rPr lang="fr-FR" smtClean="0"/>
-              <a:t>26/06/2016</a:t>
+              <a:t>27/06/2016</a:t>
             </a:fld>
             <a:endParaRPr lang="fr-BE"/>
           </a:p>
@@ -2522,7 +2522,7 @@
           <a:p>
             <a:fld id="{AA309A6D-C09C-4548-B29A-6CF363A7E532}" type="datetimeFigureOut">
               <a:rPr lang="fr-FR" smtClean="0"/>
-              <a:t>26/06/2016</a:t>
+              <a:t>27/06/2016</a:t>
             </a:fld>
             <a:endParaRPr lang="fr-BE"/>
           </a:p>
@@ -2730,7 +2730,7 @@
           <a:p>
             <a:fld id="{AA309A6D-C09C-4548-B29A-6CF363A7E532}" type="datetimeFigureOut">
               <a:rPr lang="fr-FR" smtClean="0"/>
-              <a:t>26/06/2016</a:t>
+              <a:t>27/06/2016</a:t>
             </a:fld>
             <a:endParaRPr lang="fr-BE"/>
           </a:p>
@@ -5255,7 +5255,7 @@
           <p:nvPr/>
         </p:nvSpPr>
         <p:spPr>
-          <a:xfrm rot="10800000">
+          <a:xfrm>
             <a:off x="6899876" y="4053901"/>
             <a:ext cx="525890" cy="305273"/>
           </a:xfrm>
@@ -5386,7 +5386,7 @@
           <p:nvPr/>
         </p:nvSpPr>
         <p:spPr>
-          <a:xfrm rot="10800000">
+          <a:xfrm>
             <a:off x="6372201" y="4053901"/>
             <a:ext cx="525890" cy="305273"/>
           </a:xfrm>
@@ -5566,7 +5566,7 @@
           <p:nvPr/>
         </p:nvSpPr>
         <p:spPr>
-          <a:xfrm rot="10800000">
+          <a:xfrm>
             <a:off x="5979991" y="2841231"/>
             <a:ext cx="525890" cy="305273"/>
           </a:xfrm>
@@ -5686,7 +5686,7 @@
           <p:nvPr/>
         </p:nvSpPr>
         <p:spPr>
-          <a:xfrm rot="10800000">
+          <a:xfrm>
             <a:off x="5454101" y="2841232"/>
             <a:ext cx="525890" cy="305273"/>
           </a:xfrm>
@@ -5746,7 +5746,7 @@
           <p:nvPr/>
         </p:nvSpPr>
         <p:spPr>
-          <a:xfrm rot="10800000">
+          <a:xfrm>
             <a:off x="4776222" y="2841470"/>
             <a:ext cx="525890" cy="305273"/>
           </a:xfrm>
@@ -5866,7 +5866,7 @@
           <p:nvPr/>
         </p:nvSpPr>
         <p:spPr>
-          <a:xfrm rot="10800000">
+          <a:xfrm>
             <a:off x="4250331" y="2841471"/>
             <a:ext cx="525890" cy="305273"/>
           </a:xfrm>
@@ -6046,7 +6046,7 @@
           <p:nvPr/>
         </p:nvSpPr>
         <p:spPr>
-          <a:xfrm rot="10800000">
+          <a:xfrm>
             <a:off x="5454875" y="4053903"/>
             <a:ext cx="525890" cy="305273"/>
           </a:xfrm>
@@ -6106,9 +6106,9 @@
           <p:nvPr/>
         </p:nvSpPr>
         <p:spPr>
-          <a:xfrm rot="10800000">
-            <a:off x="4928985" y="4053901"/>
-            <a:ext cx="525890" cy="305273"/>
+          <a:xfrm>
+            <a:off x="5039167" y="4053900"/>
+            <a:ext cx="415708" cy="305273"/>
           </a:xfrm>
           <a:prstGeom prst="rect">
             <a:avLst/>
@@ -6166,9 +6166,9 @@
           <p:nvPr/>
         </p:nvSpPr>
         <p:spPr>
-          <a:xfrm rot="10800000">
-            <a:off x="4403095" y="4053898"/>
-            <a:ext cx="525890" cy="305273"/>
+          <a:xfrm>
+            <a:off x="4666038" y="4053896"/>
+            <a:ext cx="373127" cy="305273"/>
           </a:xfrm>
           <a:prstGeom prst="rect">
             <a:avLst/>
@@ -6227,7 +6227,7 @@
         </p:nvSpPr>
         <p:spPr>
           <a:xfrm rot="16200000">
-            <a:off x="3978245" y="3944819"/>
+            <a:off x="4219999" y="3935742"/>
             <a:ext cx="586556" cy="263142"/>
           </a:xfrm>
           <a:prstGeom prst="rect">
@@ -6706,7 +6706,7 @@
           <p:nvPr/>
         </p:nvSpPr>
         <p:spPr>
-          <a:xfrm rot="10800000">
+          <a:xfrm>
             <a:off x="587959" y="4011014"/>
             <a:ext cx="660074" cy="337721"/>
           </a:xfrm>
@@ -6887,7 +6887,7 @@
         </p:nvSpPr>
         <p:spPr>
           <a:xfrm rot="16200000">
-            <a:off x="145230" y="2387266"/>
+            <a:off x="153781" y="2398740"/>
             <a:ext cx="631068" cy="254394"/>
           </a:xfrm>
           <a:prstGeom prst="rect">
@@ -7008,7 +7008,7 @@
         <p:spPr>
           <a:xfrm>
             <a:off x="859457" y="1899521"/>
-            <a:ext cx="525890" cy="305273"/>
+            <a:ext cx="472183" cy="305273"/>
           </a:xfrm>
           <a:prstGeom prst="rect">
             <a:avLst/>
